--- a/graphic.pptx
+++ b/graphic.pptx
@@ -157,10 +157,9 @@
           </a:lstStyle>
           <a:p>
             <a:r>
-              <a:rPr lang="zh-CN" altLang="en-US" smtClean="0"/>
+              <a:rPr lang="zh-CN" altLang="en-US"/>
               <a:t>单击此处编辑母版标题样式</a:t>
             </a:r>
-            <a:endParaRPr lang="zh-CN" altLang="en-US"/>
           </a:p>
         </p:txBody>
       </p:sp>
@@ -222,10 +221,9 @@
           </a:lstStyle>
           <a:p>
             <a:r>
-              <a:rPr lang="zh-CN" altLang="en-US" smtClean="0"/>
+              <a:rPr lang="zh-CN" altLang="en-US"/>
               <a:t>单击此处编辑母版副标题样式</a:t>
             </a:r>
-            <a:endParaRPr lang="zh-CN" altLang="en-US"/>
           </a:p>
         </p:txBody>
       </p:sp>
@@ -340,10 +338,9 @@
           <a:lstStyle/>
           <a:p>
             <a:r>
-              <a:rPr lang="zh-CN" altLang="en-US" smtClean="0"/>
+              <a:rPr lang="zh-CN" altLang="en-US"/>
               <a:t>单击此处编辑母版标题样式</a:t>
             </a:r>
-            <a:endParaRPr lang="zh-CN" altLang="en-US"/>
           </a:p>
         </p:txBody>
       </p:sp>
@@ -364,38 +361,37 @@
           <a:p>
             <a:pPr lvl="0"/>
             <a:r>
-              <a:rPr lang="zh-CN" altLang="en-US" smtClean="0"/>
+              <a:rPr lang="zh-CN" altLang="en-US"/>
               <a:t>单击此处编辑母版文本样式</a:t>
             </a:r>
           </a:p>
           <a:p>
             <a:pPr lvl="1"/>
             <a:r>
-              <a:rPr lang="zh-CN" altLang="en-US" smtClean="0"/>
+              <a:rPr lang="zh-CN" altLang="en-US"/>
               <a:t>第二级</a:t>
             </a:r>
           </a:p>
           <a:p>
             <a:pPr lvl="2"/>
             <a:r>
-              <a:rPr lang="zh-CN" altLang="en-US" smtClean="0"/>
+              <a:rPr lang="zh-CN" altLang="en-US"/>
               <a:t>第三级</a:t>
             </a:r>
           </a:p>
           <a:p>
             <a:pPr lvl="3"/>
             <a:r>
-              <a:rPr lang="zh-CN" altLang="en-US" smtClean="0"/>
+              <a:rPr lang="zh-CN" altLang="en-US"/>
               <a:t>第四级</a:t>
             </a:r>
           </a:p>
           <a:p>
             <a:pPr lvl="4"/>
             <a:r>
-              <a:rPr lang="zh-CN" altLang="en-US" smtClean="0"/>
+              <a:rPr lang="zh-CN" altLang="en-US"/>
               <a:t>第五级</a:t>
             </a:r>
-            <a:endParaRPr lang="zh-CN" altLang="en-US"/>
           </a:p>
         </p:txBody>
       </p:sp>
@@ -515,10 +511,9 @@
           <a:lstStyle/>
           <a:p>
             <a:r>
-              <a:rPr lang="zh-CN" altLang="en-US" smtClean="0"/>
+              <a:rPr lang="zh-CN" altLang="en-US"/>
               <a:t>单击此处编辑母版标题样式</a:t>
             </a:r>
-            <a:endParaRPr lang="zh-CN" altLang="en-US"/>
           </a:p>
         </p:txBody>
       </p:sp>
@@ -544,38 +539,37 @@
           <a:p>
             <a:pPr lvl="0"/>
             <a:r>
-              <a:rPr lang="zh-CN" altLang="en-US" smtClean="0"/>
+              <a:rPr lang="zh-CN" altLang="en-US"/>
               <a:t>单击此处编辑母版文本样式</a:t>
             </a:r>
           </a:p>
           <a:p>
             <a:pPr lvl="1"/>
             <a:r>
-              <a:rPr lang="zh-CN" altLang="en-US" smtClean="0"/>
+              <a:rPr lang="zh-CN" altLang="en-US"/>
               <a:t>第二级</a:t>
             </a:r>
           </a:p>
           <a:p>
             <a:pPr lvl="2"/>
             <a:r>
-              <a:rPr lang="zh-CN" altLang="en-US" smtClean="0"/>
+              <a:rPr lang="zh-CN" altLang="en-US"/>
               <a:t>第三级</a:t>
             </a:r>
           </a:p>
           <a:p>
             <a:pPr lvl="3"/>
             <a:r>
-              <a:rPr lang="zh-CN" altLang="en-US" smtClean="0"/>
+              <a:rPr lang="zh-CN" altLang="en-US"/>
               <a:t>第四级</a:t>
             </a:r>
           </a:p>
           <a:p>
             <a:pPr lvl="4"/>
             <a:r>
-              <a:rPr lang="zh-CN" altLang="en-US" smtClean="0"/>
+              <a:rPr lang="zh-CN" altLang="en-US"/>
               <a:t>第五级</a:t>
             </a:r>
-            <a:endParaRPr lang="zh-CN" altLang="en-US"/>
           </a:p>
         </p:txBody>
       </p:sp>
@@ -690,10 +684,9 @@
           <a:lstStyle/>
           <a:p>
             <a:r>
-              <a:rPr lang="zh-CN" altLang="en-US" smtClean="0"/>
+              <a:rPr lang="zh-CN" altLang="en-US"/>
               <a:t>单击此处编辑母版标题样式</a:t>
             </a:r>
-            <a:endParaRPr lang="zh-CN" altLang="en-US"/>
           </a:p>
         </p:txBody>
       </p:sp>
@@ -714,38 +707,37 @@
           <a:p>
             <a:pPr lvl="0"/>
             <a:r>
-              <a:rPr lang="zh-CN" altLang="en-US" smtClean="0"/>
+              <a:rPr lang="zh-CN" altLang="en-US"/>
               <a:t>单击此处编辑母版文本样式</a:t>
             </a:r>
           </a:p>
           <a:p>
             <a:pPr lvl="1"/>
             <a:r>
-              <a:rPr lang="zh-CN" altLang="en-US" smtClean="0"/>
+              <a:rPr lang="zh-CN" altLang="en-US"/>
               <a:t>第二级</a:t>
             </a:r>
           </a:p>
           <a:p>
             <a:pPr lvl="2"/>
             <a:r>
-              <a:rPr lang="zh-CN" altLang="en-US" smtClean="0"/>
+              <a:rPr lang="zh-CN" altLang="en-US"/>
               <a:t>第三级</a:t>
             </a:r>
           </a:p>
           <a:p>
             <a:pPr lvl="3"/>
             <a:r>
-              <a:rPr lang="zh-CN" altLang="en-US" smtClean="0"/>
+              <a:rPr lang="zh-CN" altLang="en-US"/>
               <a:t>第四级</a:t>
             </a:r>
           </a:p>
           <a:p>
             <a:pPr lvl="4"/>
             <a:r>
-              <a:rPr lang="zh-CN" altLang="en-US" smtClean="0"/>
+              <a:rPr lang="zh-CN" altLang="en-US"/>
               <a:t>第五级</a:t>
             </a:r>
-            <a:endParaRPr lang="zh-CN" altLang="en-US"/>
           </a:p>
         </p:txBody>
       </p:sp>
@@ -869,10 +861,9 @@
           </a:lstStyle>
           <a:p>
             <a:r>
-              <a:rPr lang="zh-CN" altLang="en-US" smtClean="0"/>
+              <a:rPr lang="zh-CN" altLang="en-US"/>
               <a:t>单击此处编辑母版标题样式</a:t>
             </a:r>
-            <a:endParaRPr lang="zh-CN" altLang="en-US"/>
           </a:p>
         </p:txBody>
       </p:sp>
@@ -989,7 +980,7 @@
           <a:p>
             <a:pPr lvl="0"/>
             <a:r>
-              <a:rPr lang="zh-CN" altLang="en-US" smtClean="0"/>
+              <a:rPr lang="zh-CN" altLang="en-US"/>
               <a:t>单击此处编辑母版文本样式</a:t>
             </a:r>
           </a:p>
@@ -1106,10 +1097,9 @@
           <a:lstStyle/>
           <a:p>
             <a:r>
-              <a:rPr lang="zh-CN" altLang="en-US" smtClean="0"/>
+              <a:rPr lang="zh-CN" altLang="en-US"/>
               <a:t>单击此处编辑母版标题样式</a:t>
             </a:r>
-            <a:endParaRPr lang="zh-CN" altLang="en-US"/>
           </a:p>
         </p:txBody>
       </p:sp>
@@ -1135,38 +1125,37 @@
           <a:p>
             <a:pPr lvl="0"/>
             <a:r>
-              <a:rPr lang="zh-CN" altLang="en-US" smtClean="0"/>
+              <a:rPr lang="zh-CN" altLang="en-US"/>
               <a:t>单击此处编辑母版文本样式</a:t>
             </a:r>
           </a:p>
           <a:p>
             <a:pPr lvl="1"/>
             <a:r>
-              <a:rPr lang="zh-CN" altLang="en-US" smtClean="0"/>
+              <a:rPr lang="zh-CN" altLang="en-US"/>
               <a:t>第二级</a:t>
             </a:r>
           </a:p>
           <a:p>
             <a:pPr lvl="2"/>
             <a:r>
-              <a:rPr lang="zh-CN" altLang="en-US" smtClean="0"/>
+              <a:rPr lang="zh-CN" altLang="en-US"/>
               <a:t>第三级</a:t>
             </a:r>
           </a:p>
           <a:p>
             <a:pPr lvl="3"/>
             <a:r>
-              <a:rPr lang="zh-CN" altLang="en-US" smtClean="0"/>
+              <a:rPr lang="zh-CN" altLang="en-US"/>
               <a:t>第四级</a:t>
             </a:r>
           </a:p>
           <a:p>
             <a:pPr lvl="4"/>
             <a:r>
-              <a:rPr lang="zh-CN" altLang="en-US" smtClean="0"/>
+              <a:rPr lang="zh-CN" altLang="en-US"/>
               <a:t>第五级</a:t>
             </a:r>
-            <a:endParaRPr lang="zh-CN" altLang="en-US"/>
           </a:p>
         </p:txBody>
       </p:sp>
@@ -1192,38 +1181,37 @@
           <a:p>
             <a:pPr lvl="0"/>
             <a:r>
-              <a:rPr lang="zh-CN" altLang="en-US" smtClean="0"/>
+              <a:rPr lang="zh-CN" altLang="en-US"/>
               <a:t>单击此处编辑母版文本样式</a:t>
             </a:r>
           </a:p>
           <a:p>
             <a:pPr lvl="1"/>
             <a:r>
-              <a:rPr lang="zh-CN" altLang="en-US" smtClean="0"/>
+              <a:rPr lang="zh-CN" altLang="en-US"/>
               <a:t>第二级</a:t>
             </a:r>
           </a:p>
           <a:p>
             <a:pPr lvl="2"/>
             <a:r>
-              <a:rPr lang="zh-CN" altLang="en-US" smtClean="0"/>
+              <a:rPr lang="zh-CN" altLang="en-US"/>
               <a:t>第三级</a:t>
             </a:r>
           </a:p>
           <a:p>
             <a:pPr lvl="3"/>
             <a:r>
-              <a:rPr lang="zh-CN" altLang="en-US" smtClean="0"/>
+              <a:rPr lang="zh-CN" altLang="en-US"/>
               <a:t>第四级</a:t>
             </a:r>
           </a:p>
           <a:p>
             <a:pPr lvl="4"/>
             <a:r>
-              <a:rPr lang="zh-CN" altLang="en-US" smtClean="0"/>
+              <a:rPr lang="zh-CN" altLang="en-US"/>
               <a:t>第五级</a:t>
             </a:r>
-            <a:endParaRPr lang="zh-CN" altLang="en-US"/>
           </a:p>
         </p:txBody>
       </p:sp>
@@ -1343,10 +1331,9 @@
           <a:lstStyle/>
           <a:p>
             <a:r>
-              <a:rPr lang="zh-CN" altLang="en-US" smtClean="0"/>
+              <a:rPr lang="zh-CN" altLang="en-US"/>
               <a:t>单击此处编辑母版标题样式</a:t>
             </a:r>
-            <a:endParaRPr lang="zh-CN" altLang="en-US"/>
           </a:p>
         </p:txBody>
       </p:sp>
@@ -1409,7 +1396,7 @@
           <a:p>
             <a:pPr lvl="0"/>
             <a:r>
-              <a:rPr lang="zh-CN" altLang="en-US" smtClean="0"/>
+              <a:rPr lang="zh-CN" altLang="en-US"/>
               <a:t>单击此处编辑母版文本样式</a:t>
             </a:r>
           </a:p>
@@ -1437,38 +1424,37 @@
           <a:p>
             <a:pPr lvl="0"/>
             <a:r>
-              <a:rPr lang="zh-CN" altLang="en-US" smtClean="0"/>
+              <a:rPr lang="zh-CN" altLang="en-US"/>
               <a:t>单击此处编辑母版文本样式</a:t>
             </a:r>
           </a:p>
           <a:p>
             <a:pPr lvl="1"/>
             <a:r>
-              <a:rPr lang="zh-CN" altLang="en-US" smtClean="0"/>
+              <a:rPr lang="zh-CN" altLang="en-US"/>
               <a:t>第二级</a:t>
             </a:r>
           </a:p>
           <a:p>
             <a:pPr lvl="2"/>
             <a:r>
-              <a:rPr lang="zh-CN" altLang="en-US" smtClean="0"/>
+              <a:rPr lang="zh-CN" altLang="en-US"/>
               <a:t>第三级</a:t>
             </a:r>
           </a:p>
           <a:p>
             <a:pPr lvl="3"/>
             <a:r>
-              <a:rPr lang="zh-CN" altLang="en-US" smtClean="0"/>
+              <a:rPr lang="zh-CN" altLang="en-US"/>
               <a:t>第四级</a:t>
             </a:r>
           </a:p>
           <a:p>
             <a:pPr lvl="4"/>
             <a:r>
-              <a:rPr lang="zh-CN" altLang="en-US" smtClean="0"/>
+              <a:rPr lang="zh-CN" altLang="en-US"/>
               <a:t>第五级</a:t>
             </a:r>
-            <a:endParaRPr lang="zh-CN" altLang="en-US"/>
           </a:p>
         </p:txBody>
       </p:sp>
@@ -1531,7 +1517,7 @@
           <a:p>
             <a:pPr lvl="0"/>
             <a:r>
-              <a:rPr lang="zh-CN" altLang="en-US" smtClean="0"/>
+              <a:rPr lang="zh-CN" altLang="en-US"/>
               <a:t>单击此处编辑母版文本样式</a:t>
             </a:r>
           </a:p>
@@ -1559,38 +1545,37 @@
           <a:p>
             <a:pPr lvl="0"/>
             <a:r>
-              <a:rPr lang="zh-CN" altLang="en-US" smtClean="0"/>
+              <a:rPr lang="zh-CN" altLang="en-US"/>
               <a:t>单击此处编辑母版文本样式</a:t>
             </a:r>
           </a:p>
           <a:p>
             <a:pPr lvl="1"/>
             <a:r>
-              <a:rPr lang="zh-CN" altLang="en-US" smtClean="0"/>
+              <a:rPr lang="zh-CN" altLang="en-US"/>
               <a:t>第二级</a:t>
             </a:r>
           </a:p>
           <a:p>
             <a:pPr lvl="2"/>
             <a:r>
-              <a:rPr lang="zh-CN" altLang="en-US" smtClean="0"/>
+              <a:rPr lang="zh-CN" altLang="en-US"/>
               <a:t>第三级</a:t>
             </a:r>
           </a:p>
           <a:p>
             <a:pPr lvl="3"/>
             <a:r>
-              <a:rPr lang="zh-CN" altLang="en-US" smtClean="0"/>
+              <a:rPr lang="zh-CN" altLang="en-US"/>
               <a:t>第四级</a:t>
             </a:r>
           </a:p>
           <a:p>
             <a:pPr lvl="4"/>
             <a:r>
-              <a:rPr lang="zh-CN" altLang="en-US" smtClean="0"/>
+              <a:rPr lang="zh-CN" altLang="en-US"/>
               <a:t>第五级</a:t>
             </a:r>
-            <a:endParaRPr lang="zh-CN" altLang="en-US"/>
           </a:p>
         </p:txBody>
       </p:sp>
@@ -1705,10 +1690,9 @@
           <a:lstStyle/>
           <a:p>
             <a:r>
-              <a:rPr lang="zh-CN" altLang="en-US" smtClean="0"/>
+              <a:rPr lang="zh-CN" altLang="en-US"/>
               <a:t>单击此处编辑母版标题样式</a:t>
             </a:r>
-            <a:endParaRPr lang="zh-CN" altLang="en-US"/>
           </a:p>
         </p:txBody>
       </p:sp>
@@ -1927,10 +1911,9 @@
           </a:lstStyle>
           <a:p>
             <a:r>
-              <a:rPr lang="zh-CN" altLang="en-US" smtClean="0"/>
+              <a:rPr lang="zh-CN" altLang="en-US"/>
               <a:t>单击此处编辑母版标题样式</a:t>
             </a:r>
-            <a:endParaRPr lang="zh-CN" altLang="en-US"/>
           </a:p>
         </p:txBody>
       </p:sp>
@@ -1984,38 +1967,37 @@
           <a:p>
             <a:pPr lvl="0"/>
             <a:r>
-              <a:rPr lang="zh-CN" altLang="en-US" smtClean="0"/>
+              <a:rPr lang="zh-CN" altLang="en-US"/>
               <a:t>单击此处编辑母版文本样式</a:t>
             </a:r>
           </a:p>
           <a:p>
             <a:pPr lvl="1"/>
             <a:r>
-              <a:rPr lang="zh-CN" altLang="en-US" smtClean="0"/>
+              <a:rPr lang="zh-CN" altLang="en-US"/>
               <a:t>第二级</a:t>
             </a:r>
           </a:p>
           <a:p>
             <a:pPr lvl="2"/>
             <a:r>
-              <a:rPr lang="zh-CN" altLang="en-US" smtClean="0"/>
+              <a:rPr lang="zh-CN" altLang="en-US"/>
               <a:t>第三级</a:t>
             </a:r>
           </a:p>
           <a:p>
             <a:pPr lvl="3"/>
             <a:r>
-              <a:rPr lang="zh-CN" altLang="en-US" smtClean="0"/>
+              <a:rPr lang="zh-CN" altLang="en-US"/>
               <a:t>第四级</a:t>
             </a:r>
           </a:p>
           <a:p>
             <a:pPr lvl="4"/>
             <a:r>
-              <a:rPr lang="zh-CN" altLang="en-US" smtClean="0"/>
+              <a:rPr lang="zh-CN" altLang="en-US"/>
               <a:t>第五级</a:t>
             </a:r>
-            <a:endParaRPr lang="zh-CN" altLang="en-US"/>
           </a:p>
         </p:txBody>
       </p:sp>
@@ -2078,7 +2060,7 @@
           <a:p>
             <a:pPr lvl="0"/>
             <a:r>
-              <a:rPr lang="zh-CN" altLang="en-US" smtClean="0"/>
+              <a:rPr lang="zh-CN" altLang="en-US"/>
               <a:t>单击此处编辑母版文本样式</a:t>
             </a:r>
           </a:p>
@@ -2204,10 +2186,9 @@
           </a:lstStyle>
           <a:p>
             <a:r>
-              <a:rPr lang="zh-CN" altLang="en-US" smtClean="0"/>
+              <a:rPr lang="zh-CN" altLang="en-US"/>
               <a:t>单击此处编辑母版标题样式</a:t>
             </a:r>
-            <a:endParaRPr lang="zh-CN" altLang="en-US"/>
           </a:p>
         </p:txBody>
       </p:sp>
@@ -2331,7 +2312,7 @@
           <a:p>
             <a:pPr lvl="0"/>
             <a:r>
-              <a:rPr lang="zh-CN" altLang="en-US" smtClean="0"/>
+              <a:rPr lang="zh-CN" altLang="en-US"/>
               <a:t>单击此处编辑母版文本样式</a:t>
             </a:r>
           </a:p>
@@ -2463,10 +2444,9 @@
           <a:lstStyle/>
           <a:p>
             <a:r>
-              <a:rPr lang="zh-CN" altLang="en-US" smtClean="0"/>
+              <a:rPr lang="zh-CN" altLang="en-US"/>
               <a:t>单击此处编辑母版标题样式</a:t>
             </a:r>
-            <a:endParaRPr lang="zh-CN" altLang="en-US"/>
           </a:p>
         </p:txBody>
       </p:sp>
@@ -2497,38 +2477,37 @@
           <a:p>
             <a:pPr lvl="0"/>
             <a:r>
-              <a:rPr lang="zh-CN" altLang="en-US" smtClean="0"/>
+              <a:rPr lang="zh-CN" altLang="en-US"/>
               <a:t>单击此处编辑母版文本样式</a:t>
             </a:r>
           </a:p>
           <a:p>
             <a:pPr lvl="1"/>
             <a:r>
-              <a:rPr lang="zh-CN" altLang="en-US" smtClean="0"/>
+              <a:rPr lang="zh-CN" altLang="en-US"/>
               <a:t>第二级</a:t>
             </a:r>
           </a:p>
           <a:p>
             <a:pPr lvl="2"/>
             <a:r>
-              <a:rPr lang="zh-CN" altLang="en-US" smtClean="0"/>
+              <a:rPr lang="zh-CN" altLang="en-US"/>
               <a:t>第三级</a:t>
             </a:r>
           </a:p>
           <a:p>
             <a:pPr lvl="3"/>
             <a:r>
-              <a:rPr lang="zh-CN" altLang="en-US" smtClean="0"/>
+              <a:rPr lang="zh-CN" altLang="en-US"/>
               <a:t>第四级</a:t>
             </a:r>
           </a:p>
           <a:p>
             <a:pPr lvl="4"/>
             <a:r>
-              <a:rPr lang="zh-CN" altLang="en-US" smtClean="0"/>
+              <a:rPr lang="zh-CN" altLang="en-US"/>
               <a:t>第五级</a:t>
             </a:r>
-            <a:endParaRPr lang="zh-CN" altLang="en-US"/>
           </a:p>
         </p:txBody>
       </p:sp>
@@ -3045,7 +3024,7 @@
           <a:p>
             <a:pPr algn="ctr"/>
             <a:r>
-              <a:rPr lang="en-US" altLang="zh-CN" dirty="0" smtClean="0"/>
+              <a:rPr lang="en-US" altLang="zh-CN" dirty="0"/>
               <a:t>SIM</a:t>
             </a:r>
             <a:endParaRPr lang="zh-CN" altLang="en-US" dirty="0"/>
@@ -3087,7 +3066,7 @@
           <a:p>
             <a:pPr algn="ctr"/>
             <a:r>
-              <a:rPr lang="en-US" altLang="zh-CN" dirty="0" smtClean="0"/>
+              <a:rPr lang="en-US" altLang="zh-CN" dirty="0"/>
               <a:t>DC 5-16</a:t>
             </a:r>
             <a:endParaRPr lang="zh-CN" altLang="en-US" dirty="0"/>
@@ -3129,7 +3108,7 @@
           <a:p>
             <a:pPr algn="ctr"/>
             <a:r>
-              <a:rPr lang="en-US" altLang="zh-CN" dirty="0" smtClean="0"/>
+              <a:rPr lang="en-US" altLang="zh-CN" dirty="0"/>
               <a:t>LAN</a:t>
             </a:r>
             <a:endParaRPr lang="zh-CN" altLang="en-US" dirty="0"/>
@@ -3171,7 +3150,7 @@
           <a:p>
             <a:pPr algn="ctr"/>
             <a:r>
-              <a:rPr lang="en-US" altLang="zh-CN" dirty="0" smtClean="0"/>
+              <a:rPr lang="en-US" altLang="zh-CN" dirty="0"/>
               <a:t>IPX</a:t>
             </a:r>
             <a:endParaRPr lang="zh-CN" altLang="en-US" dirty="0"/>
@@ -3213,7 +3192,7 @@
           <a:p>
             <a:pPr algn="ctr"/>
             <a:r>
-              <a:rPr lang="en-US" altLang="zh-CN" dirty="0" smtClean="0"/>
+              <a:rPr lang="en-US" altLang="zh-CN" dirty="0"/>
               <a:t>WAN/LAN</a:t>
             </a:r>
             <a:endParaRPr lang="zh-CN" altLang="en-US" dirty="0"/>
@@ -3255,7 +3234,7 @@
           <a:p>
             <a:pPr algn="ctr"/>
             <a:r>
-              <a:rPr lang="en-US" altLang="zh-CN" dirty="0" smtClean="0"/>
+              <a:rPr lang="en-US" altLang="zh-CN" dirty="0"/>
               <a:t>TTL</a:t>
             </a:r>
             <a:endParaRPr lang="zh-CN" altLang="en-US" dirty="0"/>
@@ -3335,7 +3314,7 @@
           <a:p>
             <a:pPr algn="ctr"/>
             <a:r>
-              <a:rPr lang="en-US" altLang="zh-CN" dirty="0" smtClean="0"/>
+              <a:rPr lang="en-US" altLang="zh-CN" dirty="0"/>
               <a:t>Eth</a:t>
             </a:r>
             <a:endParaRPr lang="zh-CN" altLang="en-US" dirty="0"/>
@@ -3377,7 +3356,7 @@
           <a:p>
             <a:pPr algn="ctr"/>
             <a:r>
-              <a:rPr lang="en-US" altLang="zh-CN" dirty="0" smtClean="0"/>
+              <a:rPr lang="en-US" altLang="zh-CN" dirty="0"/>
               <a:t>DC 5</a:t>
             </a:r>
             <a:endParaRPr lang="zh-CN" altLang="en-US" dirty="0"/>
@@ -3539,7 +3518,7 @@
           <a:p>
             <a:pPr algn="ctr"/>
             <a:r>
-              <a:rPr lang="en-US" altLang="zh-CN" dirty="0" smtClean="0"/>
+              <a:rPr lang="en-US" altLang="zh-CN" dirty="0"/>
               <a:t>Uart 0</a:t>
             </a:r>
             <a:endParaRPr lang="zh-CN" altLang="en-US" dirty="0"/>
@@ -3569,10 +3548,9 @@
           <a:p>
             <a:pPr algn="ctr"/>
             <a:r>
-              <a:rPr lang="en-US" altLang="zh-CN" dirty="0" smtClean="0"/>
+              <a:rPr lang="en-US" altLang="zh-CN" dirty="0"/>
               <a:t>Linux ip</a:t>
             </a:r>
-            <a:endParaRPr lang="en-US" altLang="zh-CN" dirty="0"/>
           </a:p>
           <a:p>
             <a:pPr algn="ctr"/>
@@ -3606,17 +3584,16 @@
           <a:p>
             <a:pPr algn="ctr"/>
             <a:r>
-              <a:rPr lang="en-US" altLang="zh-CN" dirty="0" smtClean="0"/>
+              <a:rPr lang="en-US" altLang="zh-CN" dirty="0"/>
               <a:t>Gateway</a:t>
             </a:r>
           </a:p>
           <a:p>
             <a:pPr algn="ctr"/>
             <a:r>
-              <a:rPr lang="en-US" altLang="zh-CN" dirty="0" smtClean="0"/>
+              <a:rPr lang="en-US" altLang="zh-CN" dirty="0"/>
               <a:t>192.168.8.1</a:t>
             </a:r>
-            <a:endParaRPr lang="en-US" altLang="zh-CN" dirty="0"/>
           </a:p>
         </p:txBody>
       </p:sp>
@@ -3715,7 +3692,7 @@
           <a:p>
             <a:pPr algn="ctr"/>
             <a:r>
-              <a:rPr lang="en-US" altLang="zh-CN" dirty="0" smtClean="0"/>
+              <a:rPr lang="en-US" altLang="zh-CN" dirty="0"/>
               <a:t>WAN/LAN</a:t>
             </a:r>
             <a:endParaRPr lang="zh-CN" altLang="en-US" dirty="0"/>
@@ -3757,7 +3734,7 @@
           <a:p>
             <a:pPr algn="ctr"/>
             <a:r>
-              <a:rPr lang="en-US" altLang="zh-CN" dirty="0" smtClean="0"/>
+              <a:rPr lang="en-US" altLang="zh-CN" dirty="0"/>
               <a:t>micro usb</a:t>
             </a:r>
             <a:endParaRPr lang="zh-CN" altLang="en-US" dirty="0"/>
@@ -3919,7 +3896,7 @@
           <a:p>
             <a:pPr algn="ctr"/>
             <a:r>
-              <a:rPr lang="en-US" altLang="zh-CN" dirty="0" smtClean="0"/>
+              <a:rPr lang="en-US" altLang="zh-CN" dirty="0"/>
               <a:t>SW</a:t>
             </a:r>
             <a:endParaRPr lang="zh-CN" altLang="en-US" dirty="0"/>
@@ -3961,7 +3938,7 @@
           <a:p>
             <a:pPr algn="ctr"/>
             <a:r>
-              <a:rPr lang="en-US" altLang="zh-CN" dirty="0" smtClean="0"/>
+              <a:rPr lang="en-US" altLang="zh-CN" dirty="0"/>
               <a:t>ch340e</a:t>
             </a:r>
             <a:endParaRPr lang="zh-CN" altLang="en-US" dirty="0"/>
@@ -4063,7 +4040,7 @@
           <a:p>
             <a:pPr algn="ctr"/>
             <a:r>
-              <a:rPr lang="en-US" altLang="zh-CN" dirty="0" smtClean="0"/>
+              <a:rPr lang="en-US" altLang="zh-CN" dirty="0"/>
               <a:t>Led 1 2 3 | reset</a:t>
             </a:r>
             <a:endParaRPr lang="zh-CN" altLang="en-US" dirty="0"/>
@@ -4105,14 +4082,14 @@
           <a:p>
             <a:pPr algn="ctr"/>
             <a:r>
-              <a:rPr lang="en-US" altLang="zh-CN" dirty="0" smtClean="0"/>
+              <a:rPr lang="en-US" altLang="zh-CN" dirty="0"/>
               <a:t>Battery</a:t>
             </a:r>
           </a:p>
           <a:p>
             <a:pPr algn="ctr"/>
             <a:r>
-              <a:rPr lang="en-US" altLang="zh-CN" dirty="0" smtClean="0"/>
+              <a:rPr lang="en-US" altLang="zh-CN" dirty="0"/>
               <a:t>2000mha</a:t>
             </a:r>
             <a:endParaRPr lang="zh-CN" altLang="en-US" dirty="0"/>
@@ -4437,21 +4414,20 @@
           <a:p>
             <a:pPr algn="ctr"/>
             <a:r>
-              <a:rPr lang="en-US" altLang="zh-CN" dirty="0" smtClean="0"/>
+              <a:rPr lang="en-US" altLang="zh-CN" dirty="0"/>
               <a:t>Charge</a:t>
             </a:r>
           </a:p>
           <a:p>
             <a:pPr algn="ctr"/>
             <a:r>
-              <a:rPr lang="en-US" altLang="zh-CN" dirty="0" smtClean="0"/>
+              <a:rPr lang="en-US" altLang="zh-CN" dirty="0"/>
               <a:t>LED</a:t>
             </a:r>
             <a:r>
-              <a:rPr lang="zh-CN" altLang="en-US" dirty="0" smtClean="0"/>
+              <a:rPr lang="zh-CN" altLang="en-US" dirty="0"/>
               <a:t>指示</a:t>
             </a:r>
-            <a:endParaRPr lang="zh-CN" altLang="en-US" dirty="0"/>
           </a:p>
         </p:txBody>
       </p:sp>
@@ -4520,15 +4496,15 @@
           <a:p>
             <a:pPr algn="ctr"/>
             <a:r>
-              <a:rPr lang="zh-CN" altLang="en-US" dirty="0" smtClean="0"/>
+              <a:rPr lang="zh-CN" altLang="en-US" dirty="0"/>
               <a:t>低电量</a:t>
             </a:r>
-            <a:endParaRPr lang="en-US" altLang="zh-CN" dirty="0" smtClean="0"/>
-          </a:p>
-          <a:p>
-            <a:pPr algn="ctr"/>
-            <a:r>
-              <a:rPr lang="en-US" altLang="zh-CN" dirty="0" smtClean="0"/>
+            <a:endParaRPr lang="en-US" altLang="zh-CN" dirty="0"/>
+          </a:p>
+          <a:p>
+            <a:pPr algn="ctr"/>
+            <a:r>
+              <a:rPr lang="en-US" altLang="zh-CN" dirty="0"/>
               <a:t>LED</a:t>
             </a:r>
             <a:endParaRPr lang="zh-CN" altLang="en-US" dirty="0"/>
@@ -4570,14 +4546,13 @@
           <a:p>
             <a:pPr algn="ctr"/>
             <a:r>
-              <a:rPr lang="en-US" altLang="zh-CN" dirty="0" smtClean="0"/>
+              <a:rPr lang="en-US" altLang="zh-CN" dirty="0"/>
               <a:t>DC-DC</a:t>
             </a:r>
             <a:r>
-              <a:rPr lang="zh-CN" altLang="en-US" dirty="0" smtClean="0"/>
+              <a:rPr lang="zh-CN" altLang="en-US" dirty="0"/>
               <a:t>升压</a:t>
             </a:r>
-            <a:endParaRPr lang="zh-CN" altLang="en-US" dirty="0"/>
           </a:p>
         </p:txBody>
       </p:sp>
@@ -4616,87 +4591,67 @@
           <a:p>
             <a:pPr algn="ctr"/>
             <a:r>
-              <a:rPr lang="en-US" altLang="zh-CN" dirty="0" smtClean="0"/>
+              <a:rPr lang="en-US" altLang="zh-CN" dirty="0"/>
               <a:t>Battery</a:t>
             </a:r>
           </a:p>
           <a:p>
             <a:r>
-              <a:rPr lang="zh-CN" altLang="en-US" dirty="0" smtClean="0"/>
+              <a:rPr lang="zh-CN" altLang="en-US" dirty="0"/>
               <a:t>方案一：如下图</a:t>
             </a:r>
             <a:r>
-              <a:rPr lang="en-US" altLang="zh-CN" dirty="0" smtClean="0"/>
+              <a:rPr lang="en-US" altLang="zh-CN" dirty="0"/>
               <a:t>(IC</a:t>
             </a:r>
             <a:r>
-              <a:rPr lang="zh-CN" altLang="en-US" dirty="0" smtClean="0"/>
+              <a:rPr lang="zh-CN" altLang="en-US" dirty="0"/>
               <a:t>或者模块</a:t>
             </a:r>
             <a:r>
-              <a:rPr lang="en-US" altLang="zh-CN" dirty="0" smtClean="0"/>
+              <a:rPr lang="en-US" altLang="zh-CN" dirty="0"/>
               <a:t>)</a:t>
             </a:r>
           </a:p>
           <a:p>
             <a:r>
               <a:rPr lang="zh-CN" altLang="en-US" dirty="0"/>
-              <a:t>方案</a:t>
-            </a:r>
-            <a:r>
-              <a:rPr lang="zh-CN" altLang="en-US" dirty="0" smtClean="0"/>
-              <a:t>二：使用充放电一体现成模块</a:t>
-            </a:r>
-            <a:endParaRPr lang="en-US" altLang="zh-CN" dirty="0" smtClean="0"/>
-          </a:p>
-          <a:p>
-            <a:r>
-              <a:rPr lang="zh-CN" altLang="en-US" dirty="0" smtClean="0"/>
+              <a:t>方案二：使用充放电一体现成模块</a:t>
+            </a:r>
+            <a:endParaRPr lang="en-US" altLang="zh-CN" dirty="0"/>
+          </a:p>
+          <a:p>
+            <a:r>
+              <a:rPr lang="zh-CN" altLang="en-US" dirty="0"/>
               <a:t>方案三：</a:t>
             </a:r>
             <a:r>
-              <a:rPr lang="en-US" altLang="zh-CN" dirty="0" smtClean="0"/>
+              <a:rPr lang="en-US" altLang="zh-CN" dirty="0"/>
               <a:t>ZS6300/IP5108(</a:t>
             </a:r>
             <a:r>
               <a:rPr lang="zh-CN" altLang="en-US" dirty="0"/>
-              <a:t>充放电</a:t>
-            </a:r>
-            <a:r>
-              <a:rPr lang="zh-CN" altLang="en-US" dirty="0" smtClean="0"/>
-              <a:t>一体</a:t>
-            </a:r>
-            <a:r>
-              <a:rPr lang="en-US" altLang="zh-CN" dirty="0" smtClean="0"/>
+              <a:t>充放电一体</a:t>
+            </a:r>
+            <a:r>
+              <a:rPr lang="en-US" altLang="zh-CN" dirty="0"/>
               <a:t>IC)</a:t>
             </a:r>
           </a:p>
           <a:p>
             <a:r>
-              <a:rPr lang="zh-CN" altLang="en-US" dirty="0" smtClean="0"/>
+              <a:rPr lang="zh-CN" altLang="en-US" dirty="0"/>
               <a:t>方案四：</a:t>
             </a:r>
             <a:r>
               <a:rPr lang="en-US" altLang="zh-CN" dirty="0"/>
-              <a:t> </a:t>
-            </a:r>
-            <a:r>
-              <a:rPr lang="en-US" altLang="zh-CN" dirty="0" smtClean="0"/>
-              <a:t>ZS6300</a:t>
-            </a:r>
-            <a:r>
-              <a:rPr lang="en-US" altLang="zh-CN" dirty="0"/>
-              <a:t>/IP5108</a:t>
-            </a:r>
-            <a:r>
-              <a:rPr lang="en-US" altLang="zh-CN" dirty="0" smtClean="0"/>
-              <a:t>+</a:t>
-            </a:r>
-            <a:r>
-              <a:rPr lang="zh-CN" altLang="en-US" dirty="0" smtClean="0"/>
+              <a:t> ZS6300/IP5108+</a:t>
+            </a:r>
+            <a:r>
+              <a:rPr lang="zh-CN" altLang="en-US" dirty="0"/>
               <a:t>同步整流升压</a:t>
             </a:r>
-            <a:endParaRPr lang="en-US" altLang="zh-CN" dirty="0" smtClean="0"/>
+            <a:endParaRPr lang="en-US" altLang="zh-CN" dirty="0"/>
           </a:p>
           <a:p>
             <a:r>
@@ -4704,70 +4659,66 @@
               <a:t>方案五：</a:t>
             </a:r>
             <a:r>
-              <a:rPr lang="en-US" altLang="zh-CN" dirty="0" smtClean="0"/>
+              <a:rPr lang="en-US" altLang="zh-CN" dirty="0"/>
               <a:t>IP5306+DC</a:t>
             </a:r>
             <a:r>
               <a:rPr lang="zh-CN" altLang="en-US" dirty="0"/>
-              <a:t>同步</a:t>
-            </a:r>
-            <a:r>
-              <a:rPr lang="zh-CN" altLang="en-US" dirty="0" smtClean="0"/>
-              <a:t>升压</a:t>
-            </a:r>
-            <a:r>
-              <a:rPr lang="en-US" altLang="zh-CN" dirty="0" smtClean="0"/>
+              <a:t>同步升压</a:t>
+            </a:r>
+            <a:r>
+              <a:rPr lang="en-US" altLang="zh-CN" dirty="0"/>
               <a:t>[</a:t>
             </a:r>
             <a:r>
-              <a:rPr lang="zh-CN" altLang="en-US" dirty="0" smtClean="0"/>
+              <a:rPr lang="zh-CN" altLang="en-US" dirty="0"/>
               <a:t>或只有</a:t>
             </a:r>
             <a:r>
-              <a:rPr lang="en-US" altLang="zh-CN" dirty="0" smtClean="0"/>
+              <a:rPr lang="en-US" altLang="zh-CN" dirty="0"/>
               <a:t>IP5306]</a:t>
             </a:r>
           </a:p>
           <a:p>
             <a:r>
-              <a:rPr lang="zh-CN" altLang="en-US" dirty="0" smtClean="0"/>
+              <a:rPr lang="zh-CN" altLang="en-US" dirty="0"/>
               <a:t>方案六：</a:t>
             </a:r>
             <a:r>
-              <a:rPr lang="en-US" altLang="zh-CN" dirty="0" smtClean="0"/>
+              <a:rPr lang="en-US" altLang="zh-CN" dirty="0"/>
               <a:t>IP5306(</a:t>
             </a:r>
             <a:r>
-              <a:rPr lang="zh-CN" altLang="en-US" dirty="0" smtClean="0"/>
+              <a:rPr lang="zh-CN" altLang="en-US" dirty="0"/>
               <a:t>用来充电和检测电量</a:t>
             </a:r>
             <a:r>
-              <a:rPr lang="en-US" altLang="zh-CN" dirty="0" smtClean="0"/>
+              <a:rPr lang="en-US" altLang="zh-CN" dirty="0"/>
               <a:t>) +DC</a:t>
             </a:r>
             <a:r>
-              <a:rPr lang="zh-CN" altLang="en-US" dirty="0" smtClean="0"/>
+              <a:rPr lang="zh-CN" altLang="en-US" dirty="0"/>
               <a:t>同步升压</a:t>
             </a:r>
-            <a:endParaRPr lang="en-US" altLang="zh-CN" dirty="0" smtClean="0"/>
-          </a:p>
-          <a:p>
             <a:endParaRPr lang="en-US" altLang="zh-CN" dirty="0"/>
           </a:p>
           <a:p>
-            <a:r>
-              <a:rPr lang="zh-CN" altLang="en-US" dirty="0" smtClean="0"/>
+            <a:endParaRPr lang="en-US" altLang="zh-CN" dirty="0"/>
+          </a:p>
+          <a:p>
+            <a:r>
+              <a:rPr lang="zh-CN" altLang="en-US" dirty="0"/>
               <a:t>实验</a:t>
             </a:r>
             <a:r>
-              <a:rPr lang="en-US" altLang="zh-CN" dirty="0" smtClean="0"/>
+              <a:rPr lang="en-US" altLang="zh-CN" dirty="0"/>
               <a:t>5V</a:t>
             </a:r>
             <a:r>
-              <a:rPr lang="zh-CN" altLang="en-US" smtClean="0"/>
+              <a:rPr lang="zh-CN" altLang="en-US"/>
               <a:t>时电流分别多少，总量多少</a:t>
             </a:r>
-            <a:endParaRPr lang="en-US" altLang="zh-CN" dirty="0" smtClean="0"/>
+            <a:endParaRPr lang="en-US" altLang="zh-CN" dirty="0"/>
           </a:p>
         </p:txBody>
       </p:sp>
@@ -5680,7 +5631,7 @@
           <a:lstStyle/>
           <a:p>
             <a:r>
-              <a:rPr lang="en-US" altLang="zh-CN" dirty="0" smtClean="0"/>
+              <a:rPr lang="en-US" altLang="zh-CN" dirty="0"/>
               <a:t>2mm</a:t>
             </a:r>
             <a:endParaRPr lang="zh-CN" altLang="en-US" dirty="0"/>
@@ -5710,7 +5661,7 @@
           <a:lstStyle/>
           <a:p>
             <a:r>
-              <a:rPr lang="en-US" altLang="zh-CN" dirty="0" smtClean="0"/>
+              <a:rPr lang="en-US" altLang="zh-CN" dirty="0"/>
               <a:t>H</a:t>
             </a:r>
             <a:endParaRPr lang="zh-CN" altLang="en-US" dirty="0"/>
@@ -5779,62 +5730,20 @@
           <a:p>
             <a:r>
               <a:rPr lang="zh-CN" altLang="en-US" dirty="0"/>
-              <a:t>铜</a:t>
-            </a:r>
-            <a:r>
-              <a:rPr lang="zh-CN" altLang="en-US" dirty="0" smtClean="0"/>
-              <a:t>柱</a:t>
-            </a:r>
-            <a:r>
-              <a:rPr lang="en-US" altLang="zh-CN" dirty="0" smtClean="0"/>
+              <a:t>铜柱</a:t>
+            </a:r>
+            <a:r>
+              <a:rPr lang="en-US" altLang="zh-CN" dirty="0"/>
               <a:t>M2-H  *4</a:t>
             </a:r>
           </a:p>
           <a:p>
             <a:r>
-              <a:rPr lang="en-US" altLang="zh-CN" dirty="0" smtClean="0"/>
+              <a:rPr lang="en-US" altLang="zh-CN" dirty="0"/>
               <a:t>M2</a:t>
             </a:r>
             <a:r>
-              <a:rPr lang="zh-CN" altLang="en-US" dirty="0" smtClean="0"/>
-              <a:t>螺帽  </a:t>
-            </a:r>
-            <a:r>
-              <a:rPr lang="en-US" altLang="zh-CN" dirty="0" smtClean="0"/>
-              <a:t>*4 </a:t>
-            </a:r>
-            <a:r>
-              <a:rPr lang="zh-CN" altLang="en-US" dirty="0" smtClean="0"/>
-              <a:t>内</a:t>
-            </a:r>
-            <a:r>
-              <a:rPr lang="en-US" altLang="zh-CN" dirty="0" smtClean="0"/>
-              <a:t>2mm  </a:t>
-            </a:r>
-            <a:r>
-              <a:rPr lang="zh-CN" altLang="en-US" dirty="0" smtClean="0"/>
-              <a:t>外</a:t>
-            </a:r>
-            <a:r>
-              <a:rPr lang="en-US" altLang="zh-CN" dirty="0" smtClean="0"/>
-              <a:t>3.91mm </a:t>
-            </a:r>
-            <a:r>
-              <a:rPr lang="zh-CN" altLang="en-US" dirty="0" smtClean="0"/>
-              <a:t>高</a:t>
-            </a:r>
-            <a:r>
-              <a:rPr lang="en-US" altLang="zh-CN" dirty="0" smtClean="0"/>
-              <a:t>1.48</a:t>
-            </a:r>
-          </a:p>
-          <a:p>
-            <a:r>
-              <a:rPr lang="en-US" altLang="zh-CN" dirty="0" smtClean="0"/>
-              <a:t>M3</a:t>
-            </a:r>
-            <a:r>
-              <a:rPr lang="zh-CN" altLang="en-US" dirty="0" smtClean="0"/>
+              <a:rPr lang="zh-CN" altLang="en-US" dirty="0"/>
               <a:t>螺帽  </a:t>
             </a:r>
             <a:r>
@@ -5842,93 +5751,123 @@
               <a:t>*4 </a:t>
             </a:r>
             <a:r>
-              <a:rPr lang="zh-CN" altLang="en-US" dirty="0" smtClean="0"/>
+              <a:rPr lang="zh-CN" altLang="en-US" dirty="0"/>
               <a:t>内</a:t>
             </a:r>
             <a:r>
-              <a:rPr lang="en-US" altLang="zh-CN" dirty="0" smtClean="0"/>
+              <a:rPr lang="en-US" altLang="zh-CN" dirty="0"/>
+              <a:t>2mm  </a:t>
+            </a:r>
+            <a:r>
+              <a:rPr lang="zh-CN" altLang="en-US" dirty="0"/>
+              <a:t>外</a:t>
+            </a:r>
+            <a:r>
+              <a:rPr lang="en-US" altLang="zh-CN" dirty="0"/>
+              <a:t>3.91mm </a:t>
+            </a:r>
+            <a:r>
+              <a:rPr lang="zh-CN" altLang="en-US" dirty="0"/>
+              <a:t>高</a:t>
+            </a:r>
+            <a:r>
+              <a:rPr lang="en-US" altLang="zh-CN" dirty="0"/>
+              <a:t>1.48</a:t>
+            </a:r>
+          </a:p>
+          <a:p>
+            <a:r>
+              <a:rPr lang="en-US" altLang="zh-CN" dirty="0"/>
+              <a:t>M3</a:t>
+            </a:r>
+            <a:r>
+              <a:rPr lang="zh-CN" altLang="en-US" dirty="0"/>
+              <a:t>螺帽  </a:t>
+            </a:r>
+            <a:r>
+              <a:rPr lang="en-US" altLang="zh-CN" dirty="0"/>
+              <a:t>*4 </a:t>
+            </a:r>
+            <a:r>
+              <a:rPr lang="zh-CN" altLang="en-US" dirty="0"/>
+              <a:t>内</a:t>
+            </a:r>
+            <a:r>
+              <a:rPr lang="en-US" altLang="zh-CN" dirty="0"/>
               <a:t>3mm  </a:t>
             </a:r>
             <a:r>
-              <a:rPr lang="zh-CN" altLang="en-US" dirty="0" smtClean="0"/>
+              <a:rPr lang="zh-CN" altLang="en-US" dirty="0"/>
               <a:t>外</a:t>
             </a:r>
             <a:r>
-              <a:rPr lang="en-US" altLang="zh-CN" dirty="0" smtClean="0"/>
+              <a:rPr lang="en-US" altLang="zh-CN" dirty="0"/>
               <a:t>5.41mm </a:t>
             </a:r>
             <a:r>
-              <a:rPr lang="zh-CN" altLang="en-US" dirty="0" smtClean="0"/>
+              <a:rPr lang="zh-CN" altLang="en-US" dirty="0"/>
               <a:t>高</a:t>
             </a:r>
             <a:r>
-              <a:rPr lang="en-US" altLang="zh-CN" dirty="0" smtClean="0"/>
+              <a:rPr lang="en-US" altLang="zh-CN" dirty="0"/>
               <a:t>2.3  </a:t>
             </a:r>
           </a:p>
           <a:p>
             <a:r>
-              <a:rPr lang="en-US" altLang="zh-CN" dirty="0" smtClean="0"/>
+              <a:rPr lang="en-US" altLang="zh-CN" dirty="0"/>
               <a:t>M2</a:t>
             </a:r>
             <a:r>
-              <a:rPr lang="zh-CN" altLang="en-US" dirty="0" smtClean="0"/>
+              <a:rPr lang="zh-CN" altLang="en-US" dirty="0"/>
               <a:t>螺丝  </a:t>
             </a:r>
             <a:r>
-              <a:rPr lang="en-US" altLang="zh-CN" dirty="0" smtClean="0"/>
+              <a:rPr lang="en-US" altLang="zh-CN" dirty="0"/>
               <a:t>*4  d=2  L=6  </a:t>
-            </a:r>
-            <a:r>
-              <a:rPr lang="zh-CN" altLang="en-US" dirty="0" smtClean="0"/>
-              <a:t>头部</a:t>
-            </a:r>
-            <a:r>
-              <a:rPr lang="en-US" altLang="zh-CN" dirty="0" smtClean="0"/>
-              <a:t>K=1.5  DK=3.7</a:t>
-            </a:r>
-          </a:p>
-          <a:p>
-            <a:r>
-              <a:rPr lang="en-US" altLang="zh-CN" dirty="0" smtClean="0"/>
-              <a:t>M3</a:t>
-            </a:r>
-            <a:r>
-              <a:rPr lang="zh-CN" altLang="en-US" dirty="0" smtClean="0"/>
-              <a:t>螺丝  </a:t>
-            </a:r>
-            <a:r>
-              <a:rPr lang="en-US" altLang="zh-CN" dirty="0"/>
-              <a:t>*4  </a:t>
-            </a:r>
-            <a:r>
-              <a:rPr lang="en-US" altLang="zh-CN" dirty="0" smtClean="0"/>
-              <a:t>d=3  </a:t>
-            </a:r>
-            <a:r>
-              <a:rPr lang="en-US" altLang="zh-CN" dirty="0"/>
-              <a:t>L=6  </a:t>
             </a:r>
             <a:r>
               <a:rPr lang="zh-CN" altLang="en-US" dirty="0"/>
               <a:t>头部</a:t>
             </a:r>
             <a:r>
-              <a:rPr lang="en-US" altLang="zh-CN" dirty="0" smtClean="0"/>
+              <a:rPr lang="en-US" altLang="zh-CN" dirty="0"/>
+              <a:t>K=1.5  DK=3.7</a:t>
+            </a:r>
+          </a:p>
+          <a:p>
+            <a:r>
+              <a:rPr lang="en-US" altLang="zh-CN" dirty="0"/>
+              <a:t>M3</a:t>
+            </a:r>
+            <a:r>
+              <a:rPr lang="zh-CN" altLang="en-US" dirty="0"/>
+              <a:t>螺丝  </a:t>
+            </a:r>
+            <a:r>
+              <a:rPr lang="en-US" altLang="zh-CN" dirty="0"/>
+              <a:t>*4  d=3  L=6  </a:t>
+            </a:r>
+            <a:r>
+              <a:rPr lang="zh-CN" altLang="en-US" dirty="0"/>
+              <a:t>头部</a:t>
+            </a:r>
+            <a:r>
+              <a:rPr lang="en-US" altLang="zh-CN" dirty="0"/>
               <a:t>K=1.6  DK=5.1</a:t>
             </a:r>
           </a:p>
           <a:p>
             <a:r>
-              <a:rPr lang="en-US" altLang="zh-CN" dirty="0" smtClean="0"/>
+              <a:rPr lang="en-US" altLang="zh-CN" dirty="0"/>
               <a:t>PCB</a:t>
             </a:r>
             <a:r>
-              <a:rPr lang="zh-CN" altLang="en-US" dirty="0" smtClean="0"/>
+              <a:rPr lang="zh-CN" altLang="en-US" dirty="0"/>
               <a:t>板厚 </a:t>
             </a:r>
             <a:r>
-              <a:rPr lang="en-US" altLang="zh-CN" dirty="0" smtClean="0"/>
+              <a:rPr lang="en-US" altLang="zh-CN" dirty="0"/>
               <a:t>1.6mm  </a:t>
             </a:r>
             <a:endParaRPr lang="zh-CN" altLang="en-US" dirty="0"/>
@@ -5958,7 +5897,7 @@
           <a:lstStyle/>
           <a:p>
             <a:r>
-              <a:rPr lang="en-US" altLang="zh-CN" dirty="0" smtClean="0"/>
+              <a:rPr lang="en-US" altLang="zh-CN" dirty="0"/>
               <a:t>3.1mm</a:t>
             </a:r>
             <a:endParaRPr lang="zh-CN" altLang="en-US" dirty="0"/>
@@ -6029,7 +5968,7 @@
           <a:lstStyle/>
           <a:p>
             <a:r>
-              <a:rPr lang="en-US" altLang="zh-CN" dirty="0" smtClean="0"/>
+              <a:rPr lang="en-US" altLang="zh-CN" dirty="0"/>
               <a:t>3mm M3: 6mm</a:t>
             </a:r>
             <a:endParaRPr lang="zh-CN" altLang="en-US" dirty="0"/>
@@ -6137,14 +6076,13 @@
           <a:lstStyle/>
           <a:p>
             <a:r>
-              <a:rPr lang="en-US" altLang="zh-CN" dirty="0" smtClean="0"/>
+              <a:rPr lang="en-US" altLang="zh-CN" dirty="0"/>
               <a:t>M3</a:t>
             </a:r>
             <a:r>
-              <a:rPr lang="zh-CN" altLang="en-US" dirty="0" smtClean="0"/>
+              <a:rPr lang="zh-CN" altLang="en-US" dirty="0"/>
               <a:t>标准</a:t>
             </a:r>
-            <a:endParaRPr lang="zh-CN" altLang="en-US" dirty="0"/>
           </a:p>
         </p:txBody>
       </p:sp>
@@ -6171,14 +6109,13 @@
           <a:lstStyle/>
           <a:p>
             <a:r>
-              <a:rPr lang="en-US" altLang="zh-CN" dirty="0" smtClean="0"/>
+              <a:rPr lang="en-US" altLang="zh-CN" dirty="0"/>
               <a:t>M2</a:t>
             </a:r>
             <a:r>
-              <a:rPr lang="zh-CN" altLang="en-US" dirty="0" smtClean="0"/>
+              <a:rPr lang="zh-CN" altLang="en-US" dirty="0"/>
               <a:t>标准</a:t>
             </a:r>
-            <a:endParaRPr lang="zh-CN" altLang="en-US" dirty="0"/>
           </a:p>
         </p:txBody>
       </p:sp>
@@ -6205,21 +6142,21 @@
           <a:lstStyle/>
           <a:p>
             <a:r>
-              <a:rPr lang="zh-CN" altLang="en-US" dirty="0" smtClean="0"/>
+              <a:rPr lang="zh-CN" altLang="en-US" dirty="0"/>
               <a:t>内：</a:t>
             </a:r>
             <a:r>
-              <a:rPr lang="en-US" altLang="zh-CN" dirty="0" smtClean="0"/>
+              <a:rPr lang="en-US" altLang="zh-CN" dirty="0"/>
               <a:t>3mm</a:t>
             </a:r>
           </a:p>
           <a:p>
             <a:r>
-              <a:rPr lang="zh-CN" altLang="en-US" dirty="0" smtClean="0"/>
+              <a:rPr lang="zh-CN" altLang="en-US" dirty="0"/>
               <a:t>外：</a:t>
             </a:r>
             <a:r>
-              <a:rPr lang="en-US" altLang="zh-CN" dirty="0" smtClean="0"/>
+              <a:rPr lang="en-US" altLang="zh-CN" dirty="0"/>
               <a:t>5.5mm</a:t>
             </a:r>
             <a:endParaRPr lang="zh-CN" altLang="en-US" dirty="0"/>
@@ -6327,21 +6264,21 @@
           <a:lstStyle/>
           <a:p>
             <a:r>
-              <a:rPr lang="zh-CN" altLang="en-US" dirty="0" smtClean="0"/>
+              <a:rPr lang="zh-CN" altLang="en-US" dirty="0"/>
               <a:t>内：</a:t>
             </a:r>
             <a:r>
-              <a:rPr lang="en-US" altLang="zh-CN" dirty="0" smtClean="0"/>
+              <a:rPr lang="en-US" altLang="zh-CN" dirty="0"/>
               <a:t>2mm</a:t>
             </a:r>
           </a:p>
           <a:p>
             <a:r>
-              <a:rPr lang="zh-CN" altLang="en-US" dirty="0" smtClean="0"/>
+              <a:rPr lang="zh-CN" altLang="en-US" dirty="0"/>
               <a:t>外：</a:t>
             </a:r>
             <a:r>
-              <a:rPr lang="en-US" altLang="zh-CN" dirty="0" smtClean="0"/>
+              <a:rPr lang="en-US" altLang="zh-CN" dirty="0"/>
               <a:t>4mm</a:t>
             </a:r>
             <a:endParaRPr lang="zh-CN" altLang="en-US" dirty="0"/>
@@ -6371,7 +6308,7 @@
           <a:lstStyle/>
           <a:p>
             <a:r>
-              <a:rPr lang="en-US" altLang="zh-CN" dirty="0" smtClean="0"/>
+              <a:rPr lang="en-US" altLang="zh-CN" dirty="0"/>
               <a:t>M3: 4.7mm</a:t>
             </a:r>
             <a:endParaRPr lang="zh-CN" altLang="en-US" dirty="0"/>
@@ -6502,7 +6439,7 @@
           <a:lstStyle/>
           <a:p>
             <a:r>
-              <a:rPr lang="en-US" altLang="zh-CN" dirty="0" smtClean="0"/>
+              <a:rPr lang="en-US" altLang="zh-CN" dirty="0"/>
               <a:t>4.35mm</a:t>
             </a:r>
             <a:endParaRPr lang="zh-CN" altLang="en-US" dirty="0"/>
@@ -6599,7 +6536,7 @@
           <a:lstStyle/>
           <a:p>
             <a:r>
-              <a:rPr lang="en-US" altLang="zh-CN" dirty="0" smtClean="0"/>
+              <a:rPr lang="en-US" altLang="zh-CN" dirty="0"/>
               <a:t>12.65mm</a:t>
             </a:r>
             <a:endParaRPr lang="zh-CN" altLang="en-US" dirty="0"/>
@@ -6628,40 +6565,28 @@
           <a:lstStyle/>
           <a:p>
             <a:r>
-              <a:rPr lang="en-US" altLang="zh-CN" dirty="0" smtClean="0"/>
+              <a:rPr lang="en-US" altLang="zh-CN" dirty="0"/>
               <a:t>Mm mil </a:t>
             </a:r>
             <a:r>
-              <a:rPr lang="zh-CN" altLang="en-US" dirty="0" smtClean="0"/>
+              <a:rPr lang="zh-CN" altLang="en-US" dirty="0"/>
               <a:t>在线转换  </a:t>
-            </a:r>
-            <a:r>
-              <a:rPr lang="zh-CN" altLang="en-US" dirty="0" smtClean="0">
-                <a:hlinkClick r:id="rId2"/>
-              </a:rPr>
-              <a:t>http</a:t>
             </a:r>
             <a:r>
               <a:rPr lang="zh-CN" altLang="en-US" dirty="0">
                 <a:hlinkClick r:id="rId2"/>
               </a:rPr>
-              <a:t>://www.ab126.com/abc/4029.</a:t>
-            </a:r>
-            <a:r>
-              <a:rPr lang="zh-CN" altLang="en-US" dirty="0" smtClean="0">
-                <a:hlinkClick r:id="rId2"/>
-              </a:rPr>
-              <a:t>html</a:t>
-            </a:r>
-            <a:endParaRPr lang="en-US" altLang="zh-CN" dirty="0" smtClean="0"/>
-          </a:p>
-          <a:p>
-            <a:r>
-              <a:rPr lang="zh-CN" altLang="en-US" dirty="0" smtClean="0"/>
+              <a:t>http://www.ab126.com/abc/4029.html</a:t>
+            </a:r>
+            <a:endParaRPr lang="en-US" altLang="zh-CN" dirty="0"/>
+          </a:p>
+          <a:p>
+            <a:r>
+              <a:rPr lang="zh-CN" altLang="en-US" dirty="0"/>
               <a:t>电池小于 </a:t>
             </a:r>
             <a:r>
-              <a:rPr lang="en-US" altLang="zh-CN" dirty="0" smtClean="0"/>
+              <a:rPr lang="en-US" altLang="zh-CN" dirty="0"/>
               <a:t>30*38mm   50*58mm</a:t>
             </a:r>
             <a:endParaRPr lang="zh-CN" altLang="en-US" dirty="0"/>
@@ -6698,16 +6623,428 @@
           <a:chExt cx="0" cy="0"/>
         </a:xfrm>
       </p:grpSpPr>
-      <p:sp>
-        <p:nvSpPr>
-          <p:cNvPr id="34" name="圆柱形 33"/>
+      <p:cxnSp>
+        <p:nvCxnSpPr>
+          <p:cNvPr id="59" name="直接连接符 58">
+            <a:extLst>
+              <a:ext uri="{FF2B5EF4-FFF2-40B4-BE49-F238E27FC236}">
+                <a16:creationId xmlns:a16="http://schemas.microsoft.com/office/drawing/2014/main" id="{B0612C4A-FDB4-49C6-99DC-8A1177131D50}"/>
+              </a:ext>
+            </a:extLst>
+          </p:cNvPr>
+          <p:cNvCxnSpPr>
+            <a:cxnSpLocks/>
+          </p:cNvCxnSpPr>
+          <p:nvPr/>
+        </p:nvCxnSpPr>
+        <p:spPr>
+          <a:xfrm>
+            <a:off x="4954714" y="227633"/>
+            <a:ext cx="0" cy="2189821"/>
+          </a:xfrm>
+          <a:prstGeom prst="line">
+            <a:avLst/>
+          </a:prstGeom>
+          <a:ln>
+            <a:solidFill>
+              <a:schemeClr val="tx1"/>
+            </a:solidFill>
+            <a:prstDash val="lgDashDotDot"/>
+          </a:ln>
+        </p:spPr>
+        <p:style>
+          <a:lnRef idx="1">
+            <a:schemeClr val="accent1"/>
+          </a:lnRef>
+          <a:fillRef idx="0">
+            <a:schemeClr val="accent1"/>
+          </a:fillRef>
+          <a:effectRef idx="0">
+            <a:schemeClr val="accent1"/>
+          </a:effectRef>
+          <a:fontRef idx="minor">
+            <a:schemeClr val="tx1"/>
+          </a:fontRef>
+        </p:style>
+      </p:cxnSp>
+      <p:cxnSp>
+        <p:nvCxnSpPr>
+          <p:cNvPr id="57" name="直接连接符 56">
+            <a:extLst>
+              <a:ext uri="{FF2B5EF4-FFF2-40B4-BE49-F238E27FC236}">
+                <a16:creationId xmlns:a16="http://schemas.microsoft.com/office/drawing/2014/main" id="{61BAD73C-9ED2-49A6-B4F0-1BBDFDB501D8}"/>
+              </a:ext>
+            </a:extLst>
+          </p:cNvPr>
+          <p:cNvCxnSpPr>
+            <a:cxnSpLocks/>
+          </p:cNvCxnSpPr>
+          <p:nvPr/>
+        </p:nvCxnSpPr>
+        <p:spPr>
+          <a:xfrm>
+            <a:off x="4409621" y="665018"/>
+            <a:ext cx="0" cy="2189821"/>
+          </a:xfrm>
+          <a:prstGeom prst="line">
+            <a:avLst/>
+          </a:prstGeom>
+          <a:ln>
+            <a:solidFill>
+              <a:schemeClr val="tx1"/>
+            </a:solidFill>
+            <a:prstDash val="lgDashDotDot"/>
+          </a:ln>
+        </p:spPr>
+        <p:style>
+          <a:lnRef idx="1">
+            <a:schemeClr val="accent1"/>
+          </a:lnRef>
+          <a:fillRef idx="0">
+            <a:schemeClr val="accent1"/>
+          </a:fillRef>
+          <a:effectRef idx="0">
+            <a:schemeClr val="accent1"/>
+          </a:effectRef>
+          <a:fontRef idx="minor">
+            <a:schemeClr val="tx1"/>
+          </a:fontRef>
+        </p:style>
+      </p:cxnSp>
+      <p:cxnSp>
+        <p:nvCxnSpPr>
+          <p:cNvPr id="53" name="直接连接符 52">
+            <a:extLst>
+              <a:ext uri="{FF2B5EF4-FFF2-40B4-BE49-F238E27FC236}">
+                <a16:creationId xmlns:a16="http://schemas.microsoft.com/office/drawing/2014/main" id="{94FDCC07-00C9-45D0-B707-87B0D913F652}"/>
+              </a:ext>
+            </a:extLst>
+          </p:cNvPr>
+          <p:cNvCxnSpPr>
+            <a:cxnSpLocks/>
+          </p:cNvCxnSpPr>
+          <p:nvPr/>
+        </p:nvCxnSpPr>
+        <p:spPr>
+          <a:xfrm flipH="1">
+            <a:off x="3438939" y="1545827"/>
+            <a:ext cx="7062651" cy="13207"/>
+          </a:xfrm>
+          <a:prstGeom prst="line">
+            <a:avLst/>
+          </a:prstGeom>
+          <a:ln>
+            <a:solidFill>
+              <a:schemeClr val="tx1"/>
+            </a:solidFill>
+            <a:prstDash val="lgDashDotDot"/>
+          </a:ln>
+        </p:spPr>
+        <p:style>
+          <a:lnRef idx="1">
+            <a:schemeClr val="accent1"/>
+          </a:lnRef>
+          <a:fillRef idx="0">
+            <a:schemeClr val="accent1"/>
+          </a:fillRef>
+          <a:effectRef idx="0">
+            <a:schemeClr val="accent1"/>
+          </a:effectRef>
+          <a:fontRef idx="minor">
+            <a:schemeClr val="tx1"/>
+          </a:fontRef>
+        </p:style>
+      </p:cxnSp>
+      <p:cxnSp>
+        <p:nvCxnSpPr>
+          <p:cNvPr id="49" name="直接连接符 48">
+            <a:extLst>
+              <a:ext uri="{FF2B5EF4-FFF2-40B4-BE49-F238E27FC236}">
+                <a16:creationId xmlns:a16="http://schemas.microsoft.com/office/drawing/2014/main" id="{CC165633-05D9-45F4-AF2C-E15F5D957D38}"/>
+              </a:ext>
+            </a:extLst>
+          </p:cNvPr>
+          <p:cNvCxnSpPr>
+            <a:cxnSpLocks/>
+          </p:cNvCxnSpPr>
+          <p:nvPr/>
+        </p:nvCxnSpPr>
+        <p:spPr>
+          <a:xfrm flipH="1">
+            <a:off x="3532113" y="3486097"/>
+            <a:ext cx="7062651" cy="13207"/>
+          </a:xfrm>
+          <a:prstGeom prst="line">
+            <a:avLst/>
+          </a:prstGeom>
+          <a:ln>
+            <a:solidFill>
+              <a:schemeClr val="tx1"/>
+            </a:solidFill>
+            <a:prstDash val="lgDashDotDot"/>
+          </a:ln>
+        </p:spPr>
+        <p:style>
+          <a:lnRef idx="1">
+            <a:schemeClr val="accent1"/>
+          </a:lnRef>
+          <a:fillRef idx="0">
+            <a:schemeClr val="accent1"/>
+          </a:fillRef>
+          <a:effectRef idx="0">
+            <a:schemeClr val="accent1"/>
+          </a:effectRef>
+          <a:fontRef idx="minor">
+            <a:schemeClr val="tx1"/>
+          </a:fontRef>
+        </p:style>
+      </p:cxnSp>
+      <p:cxnSp>
+        <p:nvCxnSpPr>
+          <p:cNvPr id="48" name="直接连接符 47">
+            <a:extLst>
+              <a:ext uri="{FF2B5EF4-FFF2-40B4-BE49-F238E27FC236}">
+                <a16:creationId xmlns:a16="http://schemas.microsoft.com/office/drawing/2014/main" id="{D6383094-CE0A-4492-A713-BC5D512860D4}"/>
+              </a:ext>
+            </a:extLst>
+          </p:cNvPr>
+          <p:cNvCxnSpPr>
+            <a:cxnSpLocks/>
+          </p:cNvCxnSpPr>
+          <p:nvPr/>
+        </p:nvCxnSpPr>
+        <p:spPr>
+          <a:xfrm>
+            <a:off x="7176474" y="241858"/>
+            <a:ext cx="20343" cy="4673600"/>
+          </a:xfrm>
+          <a:prstGeom prst="line">
+            <a:avLst/>
+          </a:prstGeom>
+          <a:ln>
+            <a:solidFill>
+              <a:schemeClr val="tx1"/>
+            </a:solidFill>
+            <a:prstDash val="lgDashDotDot"/>
+          </a:ln>
+        </p:spPr>
+        <p:style>
+          <a:lnRef idx="1">
+            <a:schemeClr val="accent1"/>
+          </a:lnRef>
+          <a:fillRef idx="0">
+            <a:schemeClr val="accent1"/>
+          </a:fillRef>
+          <a:effectRef idx="0">
+            <a:schemeClr val="accent1"/>
+          </a:effectRef>
+          <a:fontRef idx="minor">
+            <a:schemeClr val="tx1"/>
+          </a:fontRef>
+        </p:style>
+      </p:cxnSp>
+      <p:cxnSp>
+        <p:nvCxnSpPr>
+          <p:cNvPr id="47" name="直接连接符 46">
+            <a:extLst>
+              <a:ext uri="{FF2B5EF4-FFF2-40B4-BE49-F238E27FC236}">
+                <a16:creationId xmlns:a16="http://schemas.microsoft.com/office/drawing/2014/main" id="{C94951D2-8DD4-42C0-A481-97E6C25A33B7}"/>
+              </a:ext>
+            </a:extLst>
+          </p:cNvPr>
+          <p:cNvCxnSpPr>
+            <a:cxnSpLocks/>
+          </p:cNvCxnSpPr>
+          <p:nvPr/>
+        </p:nvCxnSpPr>
+        <p:spPr>
+          <a:xfrm>
+            <a:off x="6428960" y="896039"/>
+            <a:ext cx="20343" cy="4673600"/>
+          </a:xfrm>
+          <a:prstGeom prst="line">
+            <a:avLst/>
+          </a:prstGeom>
+          <a:ln>
+            <a:solidFill>
+              <a:schemeClr val="tx1"/>
+            </a:solidFill>
+            <a:prstDash val="lgDashDotDot"/>
+          </a:ln>
+        </p:spPr>
+        <p:style>
+          <a:lnRef idx="1">
+            <a:schemeClr val="accent1"/>
+          </a:lnRef>
+          <a:fillRef idx="0">
+            <a:schemeClr val="accent1"/>
+          </a:fillRef>
+          <a:effectRef idx="0">
+            <a:schemeClr val="accent1"/>
+          </a:effectRef>
+          <a:fontRef idx="minor">
+            <a:schemeClr val="tx1"/>
+          </a:fontRef>
+        </p:style>
+      </p:cxnSp>
+      <p:cxnSp>
+        <p:nvCxnSpPr>
+          <p:cNvPr id="24" name="直接连接符 23">
+            <a:extLst>
+              <a:ext uri="{FF2B5EF4-FFF2-40B4-BE49-F238E27FC236}">
+                <a16:creationId xmlns:a16="http://schemas.microsoft.com/office/drawing/2014/main" id="{473A74A2-3CE8-4446-B677-255A62247C1D}"/>
+              </a:ext>
+            </a:extLst>
+          </p:cNvPr>
+          <p:cNvCxnSpPr>
+            <a:cxnSpLocks/>
+          </p:cNvCxnSpPr>
+          <p:nvPr/>
+        </p:nvCxnSpPr>
+        <p:spPr>
+          <a:xfrm>
+            <a:off x="4591049" y="2739180"/>
+            <a:ext cx="20343" cy="1597295"/>
+          </a:xfrm>
+          <a:prstGeom prst="line">
+            <a:avLst/>
+          </a:prstGeom>
+          <a:ln>
+            <a:solidFill>
+              <a:schemeClr val="tx1"/>
+            </a:solidFill>
+            <a:prstDash val="lgDashDotDot"/>
+          </a:ln>
+        </p:spPr>
+        <p:style>
+          <a:lnRef idx="1">
+            <a:schemeClr val="accent1"/>
+          </a:lnRef>
+          <a:fillRef idx="0">
+            <a:schemeClr val="accent1"/>
+          </a:fillRef>
+          <a:effectRef idx="0">
+            <a:schemeClr val="accent1"/>
+          </a:effectRef>
+          <a:fontRef idx="minor">
+            <a:schemeClr val="tx1"/>
+          </a:fontRef>
+        </p:style>
+      </p:cxnSp>
+      <p:cxnSp>
+        <p:nvCxnSpPr>
+          <p:cNvPr id="46" name="直接连接符 45">
+            <a:extLst>
+              <a:ext uri="{FF2B5EF4-FFF2-40B4-BE49-F238E27FC236}">
+                <a16:creationId xmlns:a16="http://schemas.microsoft.com/office/drawing/2014/main" id="{93CCEF41-3D1A-48AB-BE82-AC1423FC84D5}"/>
+              </a:ext>
+            </a:extLst>
+          </p:cNvPr>
+          <p:cNvCxnSpPr>
+            <a:cxnSpLocks/>
+          </p:cNvCxnSpPr>
+          <p:nvPr/>
+        </p:nvCxnSpPr>
+        <p:spPr>
+          <a:xfrm>
+            <a:off x="3987867" y="3036606"/>
+            <a:ext cx="0" cy="1978739"/>
+          </a:xfrm>
+          <a:prstGeom prst="line">
+            <a:avLst/>
+          </a:prstGeom>
+          <a:ln>
+            <a:solidFill>
+              <a:schemeClr val="tx1"/>
+            </a:solidFill>
+            <a:prstDash val="lgDashDotDot"/>
+          </a:ln>
+        </p:spPr>
+        <p:style>
+          <a:lnRef idx="1">
+            <a:schemeClr val="accent1"/>
+          </a:lnRef>
+          <a:fillRef idx="0">
+            <a:schemeClr val="accent1"/>
+          </a:fillRef>
+          <a:effectRef idx="0">
+            <a:schemeClr val="accent1"/>
+          </a:effectRef>
+          <a:fontRef idx="minor">
+            <a:schemeClr val="tx1"/>
+          </a:fontRef>
+        </p:style>
+      </p:cxnSp>
+      <p:sp>
+        <p:nvSpPr>
+          <p:cNvPr id="40" name="圆柱形 39">
+            <a:extLst>
+              <a:ext uri="{FF2B5EF4-FFF2-40B4-BE49-F238E27FC236}">
+                <a16:creationId xmlns:a16="http://schemas.microsoft.com/office/drawing/2014/main" id="{FE2E533D-5D96-43CB-A77B-D3799107B0F5}"/>
+              </a:ext>
+            </a:extLst>
+          </p:cNvPr>
           <p:cNvSpPr/>
           <p:nvPr/>
         </p:nvSpPr>
         <p:spPr>
           <a:xfrm>
-            <a:off x="7075714" y="3608627"/>
-            <a:ext cx="215900" cy="443592"/>
+            <a:off x="4856400" y="1645086"/>
+            <a:ext cx="215900" cy="172352"/>
+          </a:xfrm>
+          <a:prstGeom prst="can">
+            <a:avLst/>
+          </a:prstGeom>
+          <a:solidFill>
+            <a:schemeClr val="accent3"/>
+          </a:solidFill>
+          <a:ln>
+            <a:solidFill>
+              <a:schemeClr val="tx1"/>
+            </a:solidFill>
+          </a:ln>
+        </p:spPr>
+        <p:style>
+          <a:lnRef idx="2">
+            <a:schemeClr val="accent1">
+              <a:shade val="50000"/>
+            </a:schemeClr>
+          </a:lnRef>
+          <a:fillRef idx="1">
+            <a:schemeClr val="accent1"/>
+          </a:fillRef>
+          <a:effectRef idx="0">
+            <a:schemeClr val="accent1"/>
+          </a:effectRef>
+          <a:fontRef idx="minor">
+            <a:schemeClr val="lt1"/>
+          </a:fontRef>
+        </p:style>
+        <p:txBody>
+          <a:bodyPr rtlCol="0" anchor="ctr"/>
+          <a:lstStyle/>
+          <a:p>
+            <a:pPr algn="ctr"/>
+            <a:endParaRPr lang="zh-CN" altLang="en-US"/>
+          </a:p>
+        </p:txBody>
+      </p:sp>
+      <p:sp>
+        <p:nvSpPr>
+          <p:cNvPr id="43" name="圆柱形 42">
+            <a:extLst>
+              <a:ext uri="{FF2B5EF4-FFF2-40B4-BE49-F238E27FC236}">
+                <a16:creationId xmlns:a16="http://schemas.microsoft.com/office/drawing/2014/main" id="{CDABACE9-93B0-45D3-8908-7EE179237CF0}"/>
+              </a:ext>
+            </a:extLst>
+          </p:cNvPr>
+          <p:cNvSpPr/>
+          <p:nvPr/>
+        </p:nvSpPr>
+        <p:spPr>
+          <a:xfrm>
+            <a:off x="4911007" y="1251817"/>
+            <a:ext cx="95250" cy="206375"/>
           </a:xfrm>
           <a:prstGeom prst="can">
             <a:avLst/>
@@ -6748,13 +7085,19 @@
       </p:sp>
       <p:sp>
         <p:nvSpPr>
-          <p:cNvPr id="35" name="圆柱形 34"/>
+          <p:cNvPr id="42" name="圆柱形 41">
+            <a:extLst>
+              <a:ext uri="{FF2B5EF4-FFF2-40B4-BE49-F238E27FC236}">
+                <a16:creationId xmlns:a16="http://schemas.microsoft.com/office/drawing/2014/main" id="{CB57CAD4-FFFE-4646-A55B-FDA28AF9B101}"/>
+              </a:ext>
+            </a:extLst>
+          </p:cNvPr>
           <p:cNvSpPr/>
           <p:nvPr/>
         </p:nvSpPr>
         <p:spPr>
           <a:xfrm>
-            <a:off x="7136039" y="3429236"/>
+            <a:off x="4349580" y="2016785"/>
             <a:ext cx="95250" cy="206375"/>
           </a:xfrm>
           <a:prstGeom prst="can">
@@ -6796,14 +7139,14 @@
       </p:sp>
       <p:sp>
         <p:nvSpPr>
-          <p:cNvPr id="16" name="圆柱形 15"/>
+          <p:cNvPr id="34" name="圆柱形 33"/>
           <p:cNvSpPr/>
           <p:nvPr/>
         </p:nvSpPr>
         <p:spPr>
           <a:xfrm>
-            <a:off x="4543425" y="3429236"/>
-            <a:ext cx="95250" cy="206375"/>
+            <a:off x="7075714" y="3608627"/>
+            <a:ext cx="215900" cy="443592"/>
           </a:xfrm>
           <a:prstGeom prst="can">
             <a:avLst/>
@@ -6844,14 +7187,14 @@
       </p:sp>
       <p:sp>
         <p:nvSpPr>
-          <p:cNvPr id="15" name="圆柱形 14"/>
+          <p:cNvPr id="35" name="圆柱形 34"/>
           <p:cNvSpPr/>
           <p:nvPr/>
         </p:nvSpPr>
         <p:spPr>
           <a:xfrm>
-            <a:off x="4483100" y="3608627"/>
-            <a:ext cx="215900" cy="443592"/>
+            <a:off x="7136039" y="3429236"/>
+            <a:ext cx="95250" cy="206375"/>
           </a:xfrm>
           <a:prstGeom prst="can">
             <a:avLst/>
@@ -6892,6 +7235,102 @@
       </p:sp>
       <p:sp>
         <p:nvSpPr>
+          <p:cNvPr id="16" name="圆柱形 15"/>
+          <p:cNvSpPr/>
+          <p:nvPr/>
+        </p:nvSpPr>
+        <p:spPr>
+          <a:xfrm>
+            <a:off x="4543425" y="3429236"/>
+            <a:ext cx="95250" cy="206375"/>
+          </a:xfrm>
+          <a:prstGeom prst="can">
+            <a:avLst/>
+          </a:prstGeom>
+          <a:solidFill>
+            <a:schemeClr val="accent4"/>
+          </a:solidFill>
+          <a:ln>
+            <a:solidFill>
+              <a:schemeClr val="bg1"/>
+            </a:solidFill>
+          </a:ln>
+        </p:spPr>
+        <p:style>
+          <a:lnRef idx="2">
+            <a:schemeClr val="accent1">
+              <a:shade val="50000"/>
+            </a:schemeClr>
+          </a:lnRef>
+          <a:fillRef idx="1">
+            <a:schemeClr val="accent1"/>
+          </a:fillRef>
+          <a:effectRef idx="0">
+            <a:schemeClr val="accent1"/>
+          </a:effectRef>
+          <a:fontRef idx="minor">
+            <a:schemeClr val="lt1"/>
+          </a:fontRef>
+        </p:style>
+        <p:txBody>
+          <a:bodyPr rtlCol="0" anchor="ctr"/>
+          <a:lstStyle/>
+          <a:p>
+            <a:pPr algn="ctr"/>
+            <a:endParaRPr lang="zh-CN" altLang="en-US"/>
+          </a:p>
+        </p:txBody>
+      </p:sp>
+      <p:sp>
+        <p:nvSpPr>
+          <p:cNvPr id="15" name="圆柱形 14"/>
+          <p:cNvSpPr/>
+          <p:nvPr/>
+        </p:nvSpPr>
+        <p:spPr>
+          <a:xfrm>
+            <a:off x="4483100" y="3608627"/>
+            <a:ext cx="215900" cy="443592"/>
+          </a:xfrm>
+          <a:prstGeom prst="can">
+            <a:avLst/>
+          </a:prstGeom>
+          <a:solidFill>
+            <a:schemeClr val="accent4"/>
+          </a:solidFill>
+          <a:ln>
+            <a:solidFill>
+              <a:schemeClr val="bg1"/>
+            </a:solidFill>
+          </a:ln>
+        </p:spPr>
+        <p:style>
+          <a:lnRef idx="2">
+            <a:schemeClr val="accent1">
+              <a:shade val="50000"/>
+            </a:schemeClr>
+          </a:lnRef>
+          <a:fillRef idx="1">
+            <a:schemeClr val="accent1"/>
+          </a:fillRef>
+          <a:effectRef idx="0">
+            <a:schemeClr val="accent1"/>
+          </a:effectRef>
+          <a:fontRef idx="minor">
+            <a:schemeClr val="lt1"/>
+          </a:fontRef>
+        </p:style>
+        <p:txBody>
+          <a:bodyPr rtlCol="0" anchor="ctr"/>
+          <a:lstStyle/>
+          <a:p>
+            <a:pPr algn="ctr"/>
+            <a:endParaRPr lang="zh-CN" altLang="en-US"/>
+          </a:p>
+        </p:txBody>
+      </p:sp>
+      <p:sp>
+        <p:nvSpPr>
           <p:cNvPr id="17" name="流程图: 数据 16"/>
           <p:cNvSpPr/>
           <p:nvPr/>
@@ -7284,14 +7723,62 @@
       </p:sp>
       <p:sp>
         <p:nvSpPr>
-          <p:cNvPr id="10" name="圆柱形 9"/>
+          <p:cNvPr id="11" name="圆柱形 10"/>
           <p:cNvSpPr/>
           <p:nvPr/>
         </p:nvSpPr>
         <p:spPr>
           <a:xfrm>
-            <a:off x="4483100" y="2738223"/>
-            <a:ext cx="215900" cy="414337"/>
+            <a:off x="3875314" y="3736181"/>
+            <a:ext cx="215900" cy="172352"/>
+          </a:xfrm>
+          <a:prstGeom prst="can">
+            <a:avLst/>
+          </a:prstGeom>
+          <a:solidFill>
+            <a:schemeClr val="accent3"/>
+          </a:solidFill>
+          <a:ln>
+            <a:solidFill>
+              <a:schemeClr val="tx1"/>
+            </a:solidFill>
+          </a:ln>
+        </p:spPr>
+        <p:style>
+          <a:lnRef idx="2">
+            <a:schemeClr val="accent1">
+              <a:shade val="50000"/>
+            </a:schemeClr>
+          </a:lnRef>
+          <a:fillRef idx="1">
+            <a:schemeClr val="accent1"/>
+          </a:fillRef>
+          <a:effectRef idx="0">
+            <a:schemeClr val="accent1"/>
+          </a:effectRef>
+          <a:fontRef idx="minor">
+            <a:schemeClr val="lt1"/>
+          </a:fontRef>
+        </p:style>
+        <p:txBody>
+          <a:bodyPr rtlCol="0" anchor="ctr"/>
+          <a:lstStyle/>
+          <a:p>
+            <a:pPr algn="ctr"/>
+            <a:endParaRPr lang="zh-CN" altLang="en-US"/>
+          </a:p>
+        </p:txBody>
+      </p:sp>
+      <p:sp>
+        <p:nvSpPr>
+          <p:cNvPr id="12" name="圆柱形 11"/>
+          <p:cNvSpPr/>
+          <p:nvPr/>
+        </p:nvSpPr>
+        <p:spPr>
+          <a:xfrm>
+            <a:off x="3875314" y="4309491"/>
+            <a:ext cx="215900" cy="443592"/>
           </a:xfrm>
           <a:prstGeom prst="can">
             <a:avLst/>
@@ -7332,14 +7819,14 @@
       </p:sp>
       <p:sp>
         <p:nvSpPr>
-          <p:cNvPr id="11" name="圆柱形 10"/>
+          <p:cNvPr id="13" name="圆柱形 12"/>
           <p:cNvSpPr/>
           <p:nvPr/>
         </p:nvSpPr>
         <p:spPr>
           <a:xfrm>
-            <a:off x="3875314" y="3494196"/>
-            <a:ext cx="215900" cy="414337"/>
+            <a:off x="3935639" y="4130100"/>
+            <a:ext cx="95250" cy="206375"/>
           </a:xfrm>
           <a:prstGeom prst="can">
             <a:avLst/>
@@ -7380,14 +7867,214 @@
       </p:sp>
       <p:sp>
         <p:nvSpPr>
-          <p:cNvPr id="12" name="圆柱形 11"/>
+          <p:cNvPr id="25" name="流程图: 数据 24"/>
           <p:cNvSpPr/>
           <p:nvPr/>
         </p:nvSpPr>
         <p:spPr>
           <a:xfrm>
-            <a:off x="3875314" y="4309491"/>
-            <a:ext cx="215900" cy="443592"/>
+            <a:off x="3337157" y="1034469"/>
+            <a:ext cx="4811486" cy="1220101"/>
+          </a:xfrm>
+          <a:prstGeom prst="flowChartInputOutput">
+            <a:avLst/>
+          </a:prstGeom>
+          <a:solidFill>
+            <a:schemeClr val="tx1">
+              <a:alpha val="21000"/>
+            </a:schemeClr>
+          </a:solidFill>
+          <a:ln>
+            <a:noFill/>
+          </a:ln>
+        </p:spPr>
+        <p:style>
+          <a:lnRef idx="2">
+            <a:schemeClr val="accent1">
+              <a:shade val="50000"/>
+            </a:schemeClr>
+          </a:lnRef>
+          <a:fillRef idx="1">
+            <a:schemeClr val="accent1"/>
+          </a:fillRef>
+          <a:effectRef idx="0">
+            <a:schemeClr val="accent1"/>
+          </a:effectRef>
+          <a:fontRef idx="minor">
+            <a:schemeClr val="lt1"/>
+          </a:fontRef>
+        </p:style>
+        <p:txBody>
+          <a:bodyPr rtlCol="0" anchor="ctr"/>
+          <a:lstStyle/>
+          <a:p>
+            <a:pPr algn="ctr"/>
+            <a:endParaRPr lang="zh-CN" altLang="en-US"/>
+          </a:p>
+        </p:txBody>
+      </p:sp>
+      <p:sp>
+        <p:nvSpPr>
+          <p:cNvPr id="26" name="椭圆 25"/>
+          <p:cNvSpPr/>
+          <p:nvPr/>
+        </p:nvSpPr>
+        <p:spPr>
+          <a:xfrm>
+            <a:off x="4792790" y="1187737"/>
+            <a:ext cx="362857" cy="153583"/>
+          </a:xfrm>
+          <a:prstGeom prst="ellipse">
+            <a:avLst/>
+          </a:prstGeom>
+        </p:spPr>
+        <p:style>
+          <a:lnRef idx="2">
+            <a:schemeClr val="dk1"/>
+          </a:lnRef>
+          <a:fillRef idx="1">
+            <a:schemeClr val="lt1"/>
+          </a:fillRef>
+          <a:effectRef idx="0">
+            <a:schemeClr val="dk1"/>
+          </a:effectRef>
+          <a:fontRef idx="minor">
+            <a:schemeClr val="dk1"/>
+          </a:fontRef>
+        </p:style>
+        <p:txBody>
+          <a:bodyPr rtlCol="0" anchor="ctr"/>
+          <a:lstStyle/>
+          <a:p>
+            <a:pPr algn="ctr"/>
+            <a:endParaRPr lang="zh-CN" altLang="en-US"/>
+          </a:p>
+        </p:txBody>
+      </p:sp>
+      <p:sp>
+        <p:nvSpPr>
+          <p:cNvPr id="27" name="椭圆 26"/>
+          <p:cNvSpPr/>
+          <p:nvPr/>
+        </p:nvSpPr>
+        <p:spPr>
+          <a:xfrm>
+            <a:off x="4212722" y="1936122"/>
+            <a:ext cx="362857" cy="153583"/>
+          </a:xfrm>
+          <a:prstGeom prst="ellipse">
+            <a:avLst/>
+          </a:prstGeom>
+        </p:spPr>
+        <p:style>
+          <a:lnRef idx="2">
+            <a:schemeClr val="dk1"/>
+          </a:lnRef>
+          <a:fillRef idx="1">
+            <a:schemeClr val="lt1"/>
+          </a:fillRef>
+          <a:effectRef idx="0">
+            <a:schemeClr val="dk1"/>
+          </a:effectRef>
+          <a:fontRef idx="minor">
+            <a:schemeClr val="dk1"/>
+          </a:fontRef>
+        </p:style>
+        <p:txBody>
+          <a:bodyPr rtlCol="0" anchor="ctr"/>
+          <a:lstStyle/>
+          <a:p>
+            <a:pPr algn="ctr"/>
+            <a:endParaRPr lang="zh-CN" altLang="en-US"/>
+          </a:p>
+        </p:txBody>
+      </p:sp>
+      <p:sp>
+        <p:nvSpPr>
+          <p:cNvPr id="28" name="椭圆 27"/>
+          <p:cNvSpPr/>
+          <p:nvPr/>
+        </p:nvSpPr>
+        <p:spPr>
+          <a:xfrm>
+            <a:off x="6246364" y="1963241"/>
+            <a:ext cx="362857" cy="153583"/>
+          </a:xfrm>
+          <a:prstGeom prst="ellipse">
+            <a:avLst/>
+          </a:prstGeom>
+        </p:spPr>
+        <p:style>
+          <a:lnRef idx="2">
+            <a:schemeClr val="dk1"/>
+          </a:lnRef>
+          <a:fillRef idx="1">
+            <a:schemeClr val="lt1"/>
+          </a:fillRef>
+          <a:effectRef idx="0">
+            <a:schemeClr val="dk1"/>
+          </a:effectRef>
+          <a:fontRef idx="minor">
+            <a:schemeClr val="dk1"/>
+          </a:fontRef>
+        </p:style>
+        <p:txBody>
+          <a:bodyPr rtlCol="0" anchor="ctr"/>
+          <a:lstStyle/>
+          <a:p>
+            <a:pPr algn="ctr"/>
+            <a:endParaRPr lang="zh-CN" altLang="en-US"/>
+          </a:p>
+        </p:txBody>
+      </p:sp>
+      <p:sp>
+        <p:nvSpPr>
+          <p:cNvPr id="29" name="椭圆 28"/>
+          <p:cNvSpPr/>
+          <p:nvPr/>
+        </p:nvSpPr>
+        <p:spPr>
+          <a:xfrm>
+            <a:off x="6999292" y="1168961"/>
+            <a:ext cx="362857" cy="153583"/>
+          </a:xfrm>
+          <a:prstGeom prst="ellipse">
+            <a:avLst/>
+          </a:prstGeom>
+        </p:spPr>
+        <p:style>
+          <a:lnRef idx="2">
+            <a:schemeClr val="dk1"/>
+          </a:lnRef>
+          <a:fillRef idx="1">
+            <a:schemeClr val="lt1"/>
+          </a:fillRef>
+          <a:effectRef idx="0">
+            <a:schemeClr val="dk1"/>
+          </a:effectRef>
+          <a:fontRef idx="minor">
+            <a:schemeClr val="dk1"/>
+          </a:fontRef>
+        </p:style>
+        <p:txBody>
+          <a:bodyPr rtlCol="0" anchor="ctr"/>
+          <a:lstStyle/>
+          <a:p>
+            <a:pPr algn="ctr"/>
+            <a:endParaRPr lang="zh-CN" altLang="en-US"/>
+          </a:p>
+        </p:txBody>
+      </p:sp>
+      <p:sp>
+        <p:nvSpPr>
+          <p:cNvPr id="9" name="圆柱形 8"/>
+          <p:cNvSpPr/>
+          <p:nvPr/>
+        </p:nvSpPr>
+        <p:spPr>
+          <a:xfrm>
+            <a:off x="6324600" y="1656004"/>
+            <a:ext cx="215900" cy="414337"/>
           </a:xfrm>
           <a:prstGeom prst="can">
             <a:avLst/>
@@ -7428,14 +8115,14 @@
       </p:sp>
       <p:sp>
         <p:nvSpPr>
-          <p:cNvPr id="13" name="圆柱形 12"/>
+          <p:cNvPr id="7" name="圆柱形 6"/>
           <p:cNvSpPr/>
           <p:nvPr/>
         </p:nvSpPr>
         <p:spPr>
           <a:xfrm>
-            <a:off x="3935639" y="4130100"/>
-            <a:ext cx="95250" cy="206375"/>
+            <a:off x="7072770" y="855064"/>
+            <a:ext cx="215900" cy="414337"/>
           </a:xfrm>
           <a:prstGeom prst="can">
             <a:avLst/>
@@ -7476,214 +8163,14 @@
       </p:sp>
       <p:sp>
         <p:nvSpPr>
-          <p:cNvPr id="25" name="流程图: 数据 24"/>
+          <p:cNvPr id="32" name="圆柱形 31"/>
           <p:cNvSpPr/>
           <p:nvPr/>
         </p:nvSpPr>
         <p:spPr>
           <a:xfrm>
-            <a:off x="3337157" y="1034469"/>
-            <a:ext cx="4811486" cy="1220101"/>
-          </a:xfrm>
-          <a:prstGeom prst="flowChartInputOutput">
-            <a:avLst/>
-          </a:prstGeom>
-          <a:solidFill>
-            <a:schemeClr val="tx1">
-              <a:alpha val="21000"/>
-            </a:schemeClr>
-          </a:solidFill>
-          <a:ln>
-            <a:noFill/>
-          </a:ln>
-        </p:spPr>
-        <p:style>
-          <a:lnRef idx="2">
-            <a:schemeClr val="accent1">
-              <a:shade val="50000"/>
-            </a:schemeClr>
-          </a:lnRef>
-          <a:fillRef idx="1">
-            <a:schemeClr val="accent1"/>
-          </a:fillRef>
-          <a:effectRef idx="0">
-            <a:schemeClr val="accent1"/>
-          </a:effectRef>
-          <a:fontRef idx="minor">
-            <a:schemeClr val="lt1"/>
-          </a:fontRef>
-        </p:style>
-        <p:txBody>
-          <a:bodyPr rtlCol="0" anchor="ctr"/>
-          <a:lstStyle/>
-          <a:p>
-            <a:pPr algn="ctr"/>
-            <a:endParaRPr lang="zh-CN" altLang="en-US"/>
-          </a:p>
-        </p:txBody>
-      </p:sp>
-      <p:sp>
-        <p:nvSpPr>
-          <p:cNvPr id="26" name="椭圆 25"/>
-          <p:cNvSpPr/>
-          <p:nvPr/>
-        </p:nvSpPr>
-        <p:spPr>
-          <a:xfrm>
-            <a:off x="4404864" y="1187737"/>
-            <a:ext cx="362857" cy="153583"/>
-          </a:xfrm>
-          <a:prstGeom prst="ellipse">
-            <a:avLst/>
-          </a:prstGeom>
-        </p:spPr>
-        <p:style>
-          <a:lnRef idx="2">
-            <a:schemeClr val="dk1"/>
-          </a:lnRef>
-          <a:fillRef idx="1">
-            <a:schemeClr val="lt1"/>
-          </a:fillRef>
-          <a:effectRef idx="0">
-            <a:schemeClr val="dk1"/>
-          </a:effectRef>
-          <a:fontRef idx="minor">
-            <a:schemeClr val="dk1"/>
-          </a:fontRef>
-        </p:style>
-        <p:txBody>
-          <a:bodyPr rtlCol="0" anchor="ctr"/>
-          <a:lstStyle/>
-          <a:p>
-            <a:pPr algn="ctr"/>
-            <a:endParaRPr lang="zh-CN" altLang="en-US"/>
-          </a:p>
-        </p:txBody>
-      </p:sp>
-      <p:sp>
-        <p:nvSpPr>
-          <p:cNvPr id="27" name="椭圆 26"/>
-          <p:cNvSpPr/>
-          <p:nvPr/>
-        </p:nvSpPr>
-        <p:spPr>
-          <a:xfrm>
-            <a:off x="3797078" y="1949977"/>
-            <a:ext cx="362857" cy="153583"/>
-          </a:xfrm>
-          <a:prstGeom prst="ellipse">
-            <a:avLst/>
-          </a:prstGeom>
-        </p:spPr>
-        <p:style>
-          <a:lnRef idx="2">
-            <a:schemeClr val="dk1"/>
-          </a:lnRef>
-          <a:fillRef idx="1">
-            <a:schemeClr val="lt1"/>
-          </a:fillRef>
-          <a:effectRef idx="0">
-            <a:schemeClr val="dk1"/>
-          </a:effectRef>
-          <a:fontRef idx="minor">
-            <a:schemeClr val="dk1"/>
-          </a:fontRef>
-        </p:style>
-        <p:txBody>
-          <a:bodyPr rtlCol="0" anchor="ctr"/>
-          <a:lstStyle/>
-          <a:p>
-            <a:pPr algn="ctr"/>
-            <a:endParaRPr lang="zh-CN" altLang="en-US"/>
-          </a:p>
-        </p:txBody>
-      </p:sp>
-      <p:sp>
-        <p:nvSpPr>
-          <p:cNvPr id="28" name="椭圆 27"/>
-          <p:cNvSpPr/>
-          <p:nvPr/>
-        </p:nvSpPr>
-        <p:spPr>
-          <a:xfrm>
-            <a:off x="6246364" y="1963241"/>
-            <a:ext cx="362857" cy="153583"/>
-          </a:xfrm>
-          <a:prstGeom prst="ellipse">
-            <a:avLst/>
-          </a:prstGeom>
-        </p:spPr>
-        <p:style>
-          <a:lnRef idx="2">
-            <a:schemeClr val="dk1"/>
-          </a:lnRef>
-          <a:fillRef idx="1">
-            <a:schemeClr val="lt1"/>
-          </a:fillRef>
-          <a:effectRef idx="0">
-            <a:schemeClr val="dk1"/>
-          </a:effectRef>
-          <a:fontRef idx="minor">
-            <a:schemeClr val="dk1"/>
-          </a:fontRef>
-        </p:style>
-        <p:txBody>
-          <a:bodyPr rtlCol="0" anchor="ctr"/>
-          <a:lstStyle/>
-          <a:p>
-            <a:pPr algn="ctr"/>
-            <a:endParaRPr lang="zh-CN" altLang="en-US"/>
-          </a:p>
-        </p:txBody>
-      </p:sp>
-      <p:sp>
-        <p:nvSpPr>
-          <p:cNvPr id="29" name="椭圆 28"/>
-          <p:cNvSpPr/>
-          <p:nvPr/>
-        </p:nvSpPr>
-        <p:spPr>
-          <a:xfrm>
-            <a:off x="6999292" y="1168961"/>
-            <a:ext cx="362857" cy="153583"/>
-          </a:xfrm>
-          <a:prstGeom prst="ellipse">
-            <a:avLst/>
-          </a:prstGeom>
-        </p:spPr>
-        <p:style>
-          <a:lnRef idx="2">
-            <a:schemeClr val="dk1"/>
-          </a:lnRef>
-          <a:fillRef idx="1">
-            <a:schemeClr val="lt1"/>
-          </a:fillRef>
-          <a:effectRef idx="0">
-            <a:schemeClr val="dk1"/>
-          </a:effectRef>
-          <a:fontRef idx="minor">
-            <a:schemeClr val="dk1"/>
-          </a:fontRef>
-        </p:style>
-        <p:txBody>
-          <a:bodyPr rtlCol="0" anchor="ctr"/>
-          <a:lstStyle/>
-          <a:p>
-            <a:pPr algn="ctr"/>
-            <a:endParaRPr lang="zh-CN" altLang="en-US"/>
-          </a:p>
-        </p:txBody>
-      </p:sp>
-      <p:sp>
-        <p:nvSpPr>
-          <p:cNvPr id="9" name="圆柱形 8"/>
-          <p:cNvSpPr/>
-          <p:nvPr/>
-        </p:nvSpPr>
-        <p:spPr>
-          <a:xfrm>
-            <a:off x="6324600" y="1650097"/>
-            <a:ext cx="215900" cy="414337"/>
+            <a:off x="6324600" y="4309491"/>
+            <a:ext cx="215900" cy="443592"/>
           </a:xfrm>
           <a:prstGeom prst="can">
             <a:avLst/>
@@ -7724,14 +8211,14 @@
       </p:sp>
       <p:sp>
         <p:nvSpPr>
-          <p:cNvPr id="7" name="圆柱形 6"/>
+          <p:cNvPr id="33" name="圆柱形 32"/>
           <p:cNvSpPr/>
           <p:nvPr/>
         </p:nvSpPr>
         <p:spPr>
           <a:xfrm>
-            <a:off x="7077528" y="848411"/>
-            <a:ext cx="215900" cy="414337"/>
+            <a:off x="6384925" y="4130100"/>
+            <a:ext cx="95250" cy="206375"/>
           </a:xfrm>
           <a:prstGeom prst="can">
             <a:avLst/>
@@ -7772,13 +8259,482 @@
       </p:sp>
       <p:sp>
         <p:nvSpPr>
-          <p:cNvPr id="32" name="圆柱形 31"/>
+          <p:cNvPr id="2" name="矩形 1">
+            <a:extLst>
+              <a:ext uri="{FF2B5EF4-FFF2-40B4-BE49-F238E27FC236}">
+                <a16:creationId xmlns:a16="http://schemas.microsoft.com/office/drawing/2014/main" id="{6195E1B2-D03E-450A-9908-5A4B12A88C79}"/>
+              </a:ext>
+            </a:extLst>
+          </p:cNvPr>
           <p:cNvSpPr/>
           <p:nvPr/>
         </p:nvSpPr>
         <p:spPr>
           <a:xfrm>
-            <a:off x="6324600" y="4309491"/>
+            <a:off x="8318086" y="3023745"/>
+            <a:ext cx="1731818" cy="462115"/>
+          </a:xfrm>
+          <a:prstGeom prst="rect">
+            <a:avLst/>
+          </a:prstGeom>
+        </p:spPr>
+        <p:style>
+          <a:lnRef idx="2">
+            <a:schemeClr val="accent1">
+              <a:shade val="50000"/>
+            </a:schemeClr>
+          </a:lnRef>
+          <a:fillRef idx="1">
+            <a:schemeClr val="accent1"/>
+          </a:fillRef>
+          <a:effectRef idx="0">
+            <a:schemeClr val="accent1"/>
+          </a:effectRef>
+          <a:fontRef idx="minor">
+            <a:schemeClr val="lt1"/>
+          </a:fontRef>
+        </p:style>
+        <p:txBody>
+          <a:bodyPr rtlCol="0" anchor="ctr"/>
+          <a:lstStyle/>
+          <a:p>
+            <a:pPr algn="ctr"/>
+            <a:r>
+              <a:rPr lang="en-US" altLang="zh-CN" dirty="0"/>
+              <a:t>8</a:t>
+            </a:r>
+            <a:endParaRPr lang="zh-CN" altLang="en-US" dirty="0"/>
+          </a:p>
+        </p:txBody>
+      </p:sp>
+      <p:sp>
+        <p:nvSpPr>
+          <p:cNvPr id="30" name="矩形 29">
+            <a:extLst>
+              <a:ext uri="{FF2B5EF4-FFF2-40B4-BE49-F238E27FC236}">
+                <a16:creationId xmlns:a16="http://schemas.microsoft.com/office/drawing/2014/main" id="{1E4FF06F-9F23-44B4-93ED-32A23B3A89F4}"/>
+              </a:ext>
+            </a:extLst>
+          </p:cNvPr>
+          <p:cNvSpPr/>
+          <p:nvPr/>
+        </p:nvSpPr>
+        <p:spPr>
+          <a:xfrm>
+            <a:off x="8318086" y="2353934"/>
+            <a:ext cx="1731818" cy="682672"/>
+          </a:xfrm>
+          <a:prstGeom prst="rect">
+            <a:avLst/>
+          </a:prstGeom>
+          <a:solidFill>
+            <a:schemeClr val="bg2">
+              <a:lumMod val="75000"/>
+            </a:schemeClr>
+          </a:solidFill>
+        </p:spPr>
+        <p:style>
+          <a:lnRef idx="2">
+            <a:schemeClr val="accent1">
+              <a:shade val="50000"/>
+            </a:schemeClr>
+          </a:lnRef>
+          <a:fillRef idx="1">
+            <a:schemeClr val="accent1"/>
+          </a:fillRef>
+          <a:effectRef idx="0">
+            <a:schemeClr val="accent1"/>
+          </a:effectRef>
+          <a:fontRef idx="minor">
+            <a:schemeClr val="lt1"/>
+          </a:fontRef>
+        </p:style>
+        <p:txBody>
+          <a:bodyPr rtlCol="0" anchor="ctr"/>
+          <a:lstStyle/>
+          <a:p>
+            <a:pPr algn="ctr"/>
+            <a:r>
+              <a:rPr lang="en-US" altLang="zh-CN" dirty="0"/>
+              <a:t>11</a:t>
+            </a:r>
+            <a:endParaRPr lang="zh-CN" altLang="en-US" dirty="0"/>
+          </a:p>
+        </p:txBody>
+      </p:sp>
+      <p:sp>
+        <p:nvSpPr>
+          <p:cNvPr id="31" name="矩形 30">
+            <a:extLst>
+              <a:ext uri="{FF2B5EF4-FFF2-40B4-BE49-F238E27FC236}">
+                <a16:creationId xmlns:a16="http://schemas.microsoft.com/office/drawing/2014/main" id="{CF9834D3-CBCB-45DB-A2E8-87BF80266815}"/>
+              </a:ext>
+            </a:extLst>
+          </p:cNvPr>
+          <p:cNvSpPr/>
+          <p:nvPr/>
+        </p:nvSpPr>
+        <p:spPr>
+          <a:xfrm>
+            <a:off x="8318086" y="1902865"/>
+            <a:ext cx="1731818" cy="443592"/>
+          </a:xfrm>
+          <a:prstGeom prst="rect">
+            <a:avLst/>
+          </a:prstGeom>
+          <a:solidFill>
+            <a:schemeClr val="accent4">
+              <a:lumMod val="60000"/>
+              <a:lumOff val="40000"/>
+            </a:schemeClr>
+          </a:solidFill>
+        </p:spPr>
+        <p:style>
+          <a:lnRef idx="2">
+            <a:schemeClr val="accent1">
+              <a:shade val="50000"/>
+            </a:schemeClr>
+          </a:lnRef>
+          <a:fillRef idx="1">
+            <a:schemeClr val="accent1"/>
+          </a:fillRef>
+          <a:effectRef idx="0">
+            <a:schemeClr val="accent1"/>
+          </a:effectRef>
+          <a:fontRef idx="minor">
+            <a:schemeClr val="lt1"/>
+          </a:fontRef>
+        </p:style>
+        <p:txBody>
+          <a:bodyPr rtlCol="0" anchor="ctr"/>
+          <a:lstStyle/>
+          <a:p>
+            <a:pPr algn="ctr"/>
+            <a:r>
+              <a:rPr lang="en-US" altLang="zh-CN" dirty="0"/>
+              <a:t>7</a:t>
+            </a:r>
+            <a:endParaRPr lang="zh-CN" altLang="en-US" dirty="0"/>
+          </a:p>
+        </p:txBody>
+      </p:sp>
+      <p:sp>
+        <p:nvSpPr>
+          <p:cNvPr id="37" name="矩形 36">
+            <a:extLst>
+              <a:ext uri="{FF2B5EF4-FFF2-40B4-BE49-F238E27FC236}">
+                <a16:creationId xmlns:a16="http://schemas.microsoft.com/office/drawing/2014/main" id="{C4E8A817-9A94-42F8-974D-3F1C511DFBE1}"/>
+              </a:ext>
+            </a:extLst>
+          </p:cNvPr>
+          <p:cNvSpPr/>
+          <p:nvPr/>
+        </p:nvSpPr>
+        <p:spPr>
+          <a:xfrm>
+            <a:off x="8319572" y="1554567"/>
+            <a:ext cx="1731818" cy="342399"/>
+          </a:xfrm>
+          <a:prstGeom prst="rect">
+            <a:avLst/>
+          </a:prstGeom>
+          <a:solidFill>
+            <a:schemeClr val="tx1">
+              <a:lumMod val="85000"/>
+              <a:lumOff val="15000"/>
+            </a:schemeClr>
+          </a:solidFill>
+        </p:spPr>
+        <p:style>
+          <a:lnRef idx="2">
+            <a:schemeClr val="accent1">
+              <a:shade val="50000"/>
+            </a:schemeClr>
+          </a:lnRef>
+          <a:fillRef idx="1">
+            <a:schemeClr val="accent1"/>
+          </a:fillRef>
+          <a:effectRef idx="0">
+            <a:schemeClr val="accent1"/>
+          </a:effectRef>
+          <a:fontRef idx="minor">
+            <a:schemeClr val="lt1"/>
+          </a:fontRef>
+        </p:style>
+        <p:txBody>
+          <a:bodyPr rtlCol="0" anchor="ctr"/>
+          <a:lstStyle/>
+          <a:p>
+            <a:pPr algn="ctr"/>
+            <a:r>
+              <a:rPr lang="zh-CN" altLang="en-US" dirty="0"/>
+              <a:t>≈</a:t>
+            </a:r>
+            <a:r>
+              <a:rPr lang="en-US" altLang="zh-CN" dirty="0"/>
+              <a:t>2</a:t>
+            </a:r>
+            <a:endParaRPr lang="zh-CN" altLang="en-US" dirty="0"/>
+          </a:p>
+        </p:txBody>
+      </p:sp>
+      <p:sp>
+        <p:nvSpPr>
+          <p:cNvPr id="8" name="右大括号 7">
+            <a:extLst>
+              <a:ext uri="{FF2B5EF4-FFF2-40B4-BE49-F238E27FC236}">
+                <a16:creationId xmlns:a16="http://schemas.microsoft.com/office/drawing/2014/main" id="{65D7FD4A-9DB7-4403-B6AC-B18D53706051}"/>
+              </a:ext>
+            </a:extLst>
+          </p:cNvPr>
+          <p:cNvSpPr/>
+          <p:nvPr/>
+        </p:nvSpPr>
+        <p:spPr>
+          <a:xfrm>
+            <a:off x="10203253" y="1605946"/>
+            <a:ext cx="314958" cy="1844100"/>
+          </a:xfrm>
+          <a:prstGeom prst="rightBrace">
+            <a:avLst>
+              <a:gd name="adj1" fmla="val 44623"/>
+              <a:gd name="adj2" fmla="val 49871"/>
+            </a:avLst>
+          </a:prstGeom>
+        </p:spPr>
+        <p:style>
+          <a:lnRef idx="1">
+            <a:schemeClr val="accent1"/>
+          </a:lnRef>
+          <a:fillRef idx="0">
+            <a:schemeClr val="accent1"/>
+          </a:fillRef>
+          <a:effectRef idx="0">
+            <a:schemeClr val="accent1"/>
+          </a:effectRef>
+          <a:fontRef idx="minor">
+            <a:schemeClr val="tx1"/>
+          </a:fontRef>
+        </p:style>
+        <p:txBody>
+          <a:bodyPr rtlCol="0" anchor="ctr"/>
+          <a:lstStyle/>
+          <a:p>
+            <a:pPr algn="ctr"/>
+            <a:endParaRPr lang="zh-CN" altLang="en-US"/>
+          </a:p>
+        </p:txBody>
+      </p:sp>
+      <p:sp>
+        <p:nvSpPr>
+          <p:cNvPr id="14" name="矩形 13">
+            <a:extLst>
+              <a:ext uri="{FF2B5EF4-FFF2-40B4-BE49-F238E27FC236}">
+                <a16:creationId xmlns:a16="http://schemas.microsoft.com/office/drawing/2014/main" id="{F29A3D16-7342-466D-969F-F25F200F859D}"/>
+              </a:ext>
+            </a:extLst>
+          </p:cNvPr>
+          <p:cNvSpPr/>
+          <p:nvPr/>
+        </p:nvSpPr>
+        <p:spPr>
+          <a:xfrm>
+            <a:off x="10690857" y="2369848"/>
+            <a:ext cx="418704" cy="369332"/>
+          </a:xfrm>
+          <a:prstGeom prst="rect">
+            <a:avLst/>
+          </a:prstGeom>
+        </p:spPr>
+        <p:txBody>
+          <a:bodyPr wrap="none">
+            <a:spAutoFit/>
+          </a:bodyPr>
+          <a:lstStyle/>
+          <a:p>
+            <a:r>
+              <a:rPr lang="en-US" altLang="zh-CN" dirty="0"/>
+              <a:t>28</a:t>
+            </a:r>
+            <a:endParaRPr lang="zh-CN" altLang="en-US" dirty="0"/>
+          </a:p>
+        </p:txBody>
+      </p:sp>
+      <p:sp>
+        <p:nvSpPr>
+          <p:cNvPr id="38" name="圆柱形 37">
+            <a:extLst>
+              <a:ext uri="{FF2B5EF4-FFF2-40B4-BE49-F238E27FC236}">
+                <a16:creationId xmlns:a16="http://schemas.microsoft.com/office/drawing/2014/main" id="{6B35CB05-826A-4F21-84B4-EC4FF1A7D374}"/>
+              </a:ext>
+            </a:extLst>
+          </p:cNvPr>
+          <p:cNvSpPr/>
+          <p:nvPr/>
+        </p:nvSpPr>
+        <p:spPr>
+          <a:xfrm>
+            <a:off x="4483100" y="2974419"/>
+            <a:ext cx="215900" cy="172352"/>
+          </a:xfrm>
+          <a:prstGeom prst="can">
+            <a:avLst/>
+          </a:prstGeom>
+          <a:solidFill>
+            <a:schemeClr val="accent3"/>
+          </a:solidFill>
+          <a:ln>
+            <a:solidFill>
+              <a:schemeClr val="tx1"/>
+            </a:solidFill>
+          </a:ln>
+        </p:spPr>
+        <p:style>
+          <a:lnRef idx="2">
+            <a:schemeClr val="accent1">
+              <a:shade val="50000"/>
+            </a:schemeClr>
+          </a:lnRef>
+          <a:fillRef idx="1">
+            <a:schemeClr val="accent1"/>
+          </a:fillRef>
+          <a:effectRef idx="0">
+            <a:schemeClr val="accent1"/>
+          </a:effectRef>
+          <a:fontRef idx="minor">
+            <a:schemeClr val="lt1"/>
+          </a:fontRef>
+        </p:style>
+        <p:txBody>
+          <a:bodyPr rtlCol="0" anchor="ctr"/>
+          <a:lstStyle/>
+          <a:p>
+            <a:pPr algn="ctr"/>
+            <a:endParaRPr lang="zh-CN" altLang="en-US"/>
+          </a:p>
+        </p:txBody>
+      </p:sp>
+      <p:sp>
+        <p:nvSpPr>
+          <p:cNvPr id="39" name="圆柱形 38">
+            <a:extLst>
+              <a:ext uri="{FF2B5EF4-FFF2-40B4-BE49-F238E27FC236}">
+                <a16:creationId xmlns:a16="http://schemas.microsoft.com/office/drawing/2014/main" id="{04344B83-66BB-42C8-BD71-01DCB27D7900}"/>
+              </a:ext>
+            </a:extLst>
+          </p:cNvPr>
+          <p:cNvSpPr/>
+          <p:nvPr/>
+        </p:nvSpPr>
+        <p:spPr>
+          <a:xfrm>
+            <a:off x="4284731" y="2370690"/>
+            <a:ext cx="215900" cy="172352"/>
+          </a:xfrm>
+          <a:prstGeom prst="can">
+            <a:avLst/>
+          </a:prstGeom>
+          <a:solidFill>
+            <a:schemeClr val="accent3"/>
+          </a:solidFill>
+          <a:ln>
+            <a:solidFill>
+              <a:schemeClr val="tx1"/>
+            </a:solidFill>
+          </a:ln>
+        </p:spPr>
+        <p:style>
+          <a:lnRef idx="2">
+            <a:schemeClr val="accent1">
+              <a:shade val="50000"/>
+            </a:schemeClr>
+          </a:lnRef>
+          <a:fillRef idx="1">
+            <a:schemeClr val="accent1"/>
+          </a:fillRef>
+          <a:effectRef idx="0">
+            <a:schemeClr val="accent1"/>
+          </a:effectRef>
+          <a:fontRef idx="minor">
+            <a:schemeClr val="lt1"/>
+          </a:fontRef>
+        </p:style>
+        <p:txBody>
+          <a:bodyPr rtlCol="0" anchor="ctr"/>
+          <a:lstStyle/>
+          <a:p>
+            <a:pPr algn="ctr"/>
+            <a:endParaRPr lang="zh-CN" altLang="en-US"/>
+          </a:p>
+        </p:txBody>
+      </p:sp>
+      <p:sp>
+        <p:nvSpPr>
+          <p:cNvPr id="18" name="立方体 17">
+            <a:extLst>
+              <a:ext uri="{FF2B5EF4-FFF2-40B4-BE49-F238E27FC236}">
+                <a16:creationId xmlns:a16="http://schemas.microsoft.com/office/drawing/2014/main" id="{D166C661-D91B-4D1C-A06F-0A0B3ADF2EBC}"/>
+              </a:ext>
+            </a:extLst>
+          </p:cNvPr>
+          <p:cNvSpPr/>
+          <p:nvPr/>
+        </p:nvSpPr>
+        <p:spPr>
+          <a:xfrm>
+            <a:off x="1799870" y="855064"/>
+            <a:ext cx="1288949" cy="3898019"/>
+          </a:xfrm>
+          <a:prstGeom prst="cube">
+            <a:avLst>
+              <a:gd name="adj" fmla="val 71176"/>
+            </a:avLst>
+          </a:prstGeom>
+        </p:spPr>
+        <p:style>
+          <a:lnRef idx="2">
+            <a:schemeClr val="accent1">
+              <a:shade val="50000"/>
+            </a:schemeClr>
+          </a:lnRef>
+          <a:fillRef idx="1">
+            <a:schemeClr val="accent1"/>
+          </a:fillRef>
+          <a:effectRef idx="0">
+            <a:schemeClr val="accent1"/>
+          </a:effectRef>
+          <a:fontRef idx="minor">
+            <a:schemeClr val="lt1"/>
+          </a:fontRef>
+        </p:style>
+        <p:txBody>
+          <a:bodyPr rtlCol="0" anchor="ctr"/>
+          <a:lstStyle/>
+          <a:p>
+            <a:pPr algn="ctr"/>
+            <a:r>
+              <a:rPr lang="en-US" altLang="zh-CN" dirty="0"/>
+              <a:t>Battery</a:t>
+            </a:r>
+            <a:endParaRPr lang="zh-CN" altLang="en-US" dirty="0"/>
+          </a:p>
+        </p:txBody>
+      </p:sp>
+      <p:sp>
+        <p:nvSpPr>
+          <p:cNvPr id="41" name="圆柱形 40">
+            <a:extLst>
+              <a:ext uri="{FF2B5EF4-FFF2-40B4-BE49-F238E27FC236}">
+                <a16:creationId xmlns:a16="http://schemas.microsoft.com/office/drawing/2014/main" id="{B2CAAB81-D9B0-4614-A32F-D30ED0182F38}"/>
+              </a:ext>
+            </a:extLst>
+          </p:cNvPr>
+          <p:cNvSpPr/>
+          <p:nvPr/>
+        </p:nvSpPr>
+        <p:spPr>
+          <a:xfrm>
+            <a:off x="4286765" y="1605518"/>
             <a:ext cx="215900" cy="443592"/>
           </a:xfrm>
           <a:prstGeom prst="can">
@@ -7820,14 +8776,20 @@
       </p:sp>
       <p:sp>
         <p:nvSpPr>
-          <p:cNvPr id="33" name="圆柱形 32"/>
+          <p:cNvPr id="44" name="圆柱形 43">
+            <a:extLst>
+              <a:ext uri="{FF2B5EF4-FFF2-40B4-BE49-F238E27FC236}">
+                <a16:creationId xmlns:a16="http://schemas.microsoft.com/office/drawing/2014/main" id="{28509D93-430C-41BC-9836-AB44C089F33F}"/>
+              </a:ext>
+            </a:extLst>
+          </p:cNvPr>
           <p:cNvSpPr/>
           <p:nvPr/>
         </p:nvSpPr>
         <p:spPr>
           <a:xfrm>
-            <a:off x="6384925" y="4130100"/>
-            <a:ext cx="95250" cy="206375"/>
+            <a:off x="4862706" y="840550"/>
+            <a:ext cx="215900" cy="443592"/>
           </a:xfrm>
           <a:prstGeom prst="can">
             <a:avLst/>
@@ -7904,7 +8866,7 @@
         </p:nvSpPr>
         <p:spPr>
           <a:xfrm>
-            <a:off x="4528457" y="3200400"/>
+            <a:off x="783772" y="689428"/>
             <a:ext cx="130629" cy="130629"/>
           </a:xfrm>
           <a:prstGeom prst="ellipse">
@@ -7952,7 +8914,7 @@
         </p:nvCxnSpPr>
         <p:spPr>
           <a:xfrm>
-            <a:off x="4528457" y="3069772"/>
+            <a:off x="783772" y="558800"/>
             <a:ext cx="772886" cy="0"/>
           </a:xfrm>
           <a:prstGeom prst="line">
@@ -7987,7 +8949,7 @@
         </p:nvSpPr>
         <p:spPr>
           <a:xfrm>
-            <a:off x="4784270" y="2939144"/>
+            <a:off x="1039585" y="428172"/>
             <a:ext cx="261259" cy="130628"/>
           </a:xfrm>
           <a:prstGeom prst="rect">
@@ -8035,7 +8997,7 @@
         </p:nvSpPr>
         <p:spPr>
           <a:xfrm>
-            <a:off x="5170713" y="3200401"/>
+            <a:off x="1426028" y="689429"/>
             <a:ext cx="130629" cy="130629"/>
           </a:xfrm>
           <a:prstGeom prst="ellipse">
@@ -8075,6 +9037,36 @@
           </a:p>
         </p:txBody>
       </p:sp>
+      <p:pic>
+        <p:nvPicPr>
+          <p:cNvPr id="2" name="图片 1">
+            <a:extLst>
+              <a:ext uri="{FF2B5EF4-FFF2-40B4-BE49-F238E27FC236}">
+                <a16:creationId xmlns:a16="http://schemas.microsoft.com/office/drawing/2014/main" id="{29492C5B-6DC3-4923-B4D8-7044D359FC75}"/>
+              </a:ext>
+            </a:extLst>
+          </p:cNvPr>
+          <p:cNvPicPr>
+            <a:picLocks noChangeAspect="1"/>
+          </p:cNvPicPr>
+          <p:nvPr/>
+        </p:nvPicPr>
+        <p:blipFill>
+          <a:blip r:embed="rId2"/>
+          <a:stretch>
+            <a:fillRect/>
+          </a:stretch>
+        </p:blipFill>
+        <p:spPr>
+          <a:xfrm>
+            <a:off x="2590800" y="990600"/>
+            <a:ext cx="7010400" cy="4876800"/>
+          </a:xfrm>
+          <a:prstGeom prst="rect">
+            <a:avLst/>
+          </a:prstGeom>
+        </p:spPr>
+      </p:pic>
     </p:spTree>
     <p:extLst>
       <p:ext uri="{BB962C8B-B14F-4D97-AF65-F5344CB8AC3E}">
